--- a/figures/LCF_Example_Samples.pptx
+++ b/figures/LCF_Example_Samples.pptx
@@ -4,6 +4,9 @@
   <p:sldMasterIdLst>
     <p:sldMasterId id="2147483660" r:id="rId1"/>
   </p:sldMasterIdLst>
+  <p:notesMasterIdLst>
+    <p:notesMasterId r:id="rId4"/>
+  </p:notesMasterIdLst>
   <p:sldIdLst>
     <p:sldId id="257" r:id="rId2"/>
     <p:sldId id="256" r:id="rId3"/>
@@ -113,6 +116,355 @@
 </p:presentation>
 </file>
 
+<file path=ppt/notesMasters/notesMaster1.xml><?xml version="1.0" encoding="utf-8"?>
+<p:notesMaster xmlns:a="http://schemas.openxmlformats.org/drawingml/2006/main" xmlns:r="http://schemas.openxmlformats.org/officeDocument/2006/relationships" xmlns:p="http://schemas.openxmlformats.org/presentationml/2006/main">
+  <p:cSld>
+    <p:bg>
+      <p:bgRef idx="1001">
+        <a:schemeClr val="bg1"/>
+      </p:bgRef>
+    </p:bg>
+    <p:spTree>
+      <p:nvGrpSpPr>
+        <p:cNvPr id="1" name=""/>
+        <p:cNvGrpSpPr/>
+        <p:nvPr/>
+      </p:nvGrpSpPr>
+      <p:grpSpPr>
+        <a:xfrm>
+          <a:off x="0" y="0"/>
+          <a:ext cx="0" cy="0"/>
+          <a:chOff x="0" y="0"/>
+          <a:chExt cx="0" cy="0"/>
+        </a:xfrm>
+      </p:grpSpPr>
+      <p:sp>
+        <p:nvSpPr>
+          <p:cNvPr id="2" name="Header Placeholder 1"/>
+          <p:cNvSpPr>
+            <a:spLocks noGrp="1"/>
+          </p:cNvSpPr>
+          <p:nvPr>
+            <p:ph type="hdr" sz="quarter"/>
+          </p:nvPr>
+        </p:nvSpPr>
+        <p:spPr>
+          <a:xfrm>
+            <a:off x="0" y="0"/>
+            <a:ext cx="2971800" cy="458788"/>
+          </a:xfrm>
+          <a:prstGeom prst="rect">
+            <a:avLst/>
+          </a:prstGeom>
+        </p:spPr>
+        <p:txBody>
+          <a:bodyPr vert="horz" lIns="91440" tIns="45720" rIns="91440" bIns="45720" rtlCol="0"/>
+          <a:lstStyle>
+            <a:lvl1pPr algn="l">
+              <a:defRPr sz="1200"/>
+            </a:lvl1pPr>
+          </a:lstStyle>
+          <a:p>
+            <a:endParaRPr lang="en-US"/>
+          </a:p>
+        </p:txBody>
+      </p:sp>
+      <p:sp>
+        <p:nvSpPr>
+          <p:cNvPr id="3" name="Date Placeholder 2"/>
+          <p:cNvSpPr>
+            <a:spLocks noGrp="1"/>
+          </p:cNvSpPr>
+          <p:nvPr>
+            <p:ph type="dt" idx="1"/>
+          </p:nvPr>
+        </p:nvSpPr>
+        <p:spPr>
+          <a:xfrm>
+            <a:off x="3884613" y="0"/>
+            <a:ext cx="2971800" cy="458788"/>
+          </a:xfrm>
+          <a:prstGeom prst="rect">
+            <a:avLst/>
+          </a:prstGeom>
+        </p:spPr>
+        <p:txBody>
+          <a:bodyPr vert="horz" lIns="91440" tIns="45720" rIns="91440" bIns="45720" rtlCol="0"/>
+          <a:lstStyle>
+            <a:lvl1pPr algn="r">
+              <a:defRPr sz="1200"/>
+            </a:lvl1pPr>
+          </a:lstStyle>
+          <a:p>
+            <a:fld id="{1E896ED2-8098-6949-9DAF-1D26280A01D2}" type="datetimeFigureOut">
+              <a:rPr lang="en-US" smtClean="0"/>
+              <a:t>2/2/24</a:t>
+            </a:fld>
+            <a:endParaRPr lang="en-US"/>
+          </a:p>
+        </p:txBody>
+      </p:sp>
+      <p:sp>
+        <p:nvSpPr>
+          <p:cNvPr id="4" name="Slide Image Placeholder 3"/>
+          <p:cNvSpPr>
+            <a:spLocks noGrp="1" noRot="1" noChangeAspect="1"/>
+          </p:cNvSpPr>
+          <p:nvPr>
+            <p:ph type="sldImg" idx="2"/>
+          </p:nvPr>
+        </p:nvSpPr>
+        <p:spPr>
+          <a:xfrm>
+            <a:off x="522288" y="1143000"/>
+            <a:ext cx="5813425" cy="3086100"/>
+          </a:xfrm>
+          <a:prstGeom prst="rect">
+            <a:avLst/>
+          </a:prstGeom>
+          <a:noFill/>
+          <a:ln w="12700">
+            <a:solidFill>
+              <a:prstClr val="black"/>
+            </a:solidFill>
+          </a:ln>
+        </p:spPr>
+        <p:txBody>
+          <a:bodyPr vert="horz" lIns="91440" tIns="45720" rIns="91440" bIns="45720" rtlCol="0" anchor="ctr"/>
+          <a:lstStyle/>
+          <a:p>
+            <a:endParaRPr lang="en-US"/>
+          </a:p>
+        </p:txBody>
+      </p:sp>
+      <p:sp>
+        <p:nvSpPr>
+          <p:cNvPr id="5" name="Notes Placeholder 4"/>
+          <p:cNvSpPr>
+            <a:spLocks noGrp="1"/>
+          </p:cNvSpPr>
+          <p:nvPr>
+            <p:ph type="body" sz="quarter" idx="3"/>
+          </p:nvPr>
+        </p:nvSpPr>
+        <p:spPr>
+          <a:xfrm>
+            <a:off x="685800" y="4400550"/>
+            <a:ext cx="5486400" cy="3600450"/>
+          </a:xfrm>
+          <a:prstGeom prst="rect">
+            <a:avLst/>
+          </a:prstGeom>
+        </p:spPr>
+        <p:txBody>
+          <a:bodyPr vert="horz" lIns="91440" tIns="45720" rIns="91440" bIns="45720" rtlCol="0"/>
+          <a:lstStyle/>
+          <a:p>
+            <a:pPr lvl="0"/>
+            <a:r>
+              <a:rPr lang="en-US"/>
+              <a:t>Click to edit Master text styles</a:t>
+            </a:r>
+          </a:p>
+          <a:p>
+            <a:pPr lvl="1"/>
+            <a:r>
+              <a:rPr lang="en-US"/>
+              <a:t>Second level</a:t>
+            </a:r>
+          </a:p>
+          <a:p>
+            <a:pPr lvl="2"/>
+            <a:r>
+              <a:rPr lang="en-US"/>
+              <a:t>Third level</a:t>
+            </a:r>
+          </a:p>
+          <a:p>
+            <a:pPr lvl="3"/>
+            <a:r>
+              <a:rPr lang="en-US"/>
+              <a:t>Fourth level</a:t>
+            </a:r>
+          </a:p>
+          <a:p>
+            <a:pPr lvl="4"/>
+            <a:r>
+              <a:rPr lang="en-US"/>
+              <a:t>Fifth level</a:t>
+            </a:r>
+          </a:p>
+        </p:txBody>
+      </p:sp>
+      <p:sp>
+        <p:nvSpPr>
+          <p:cNvPr id="6" name="Footer Placeholder 5"/>
+          <p:cNvSpPr>
+            <a:spLocks noGrp="1"/>
+          </p:cNvSpPr>
+          <p:nvPr>
+            <p:ph type="ftr" sz="quarter" idx="4"/>
+          </p:nvPr>
+        </p:nvSpPr>
+        <p:spPr>
+          <a:xfrm>
+            <a:off x="0" y="8685213"/>
+            <a:ext cx="2971800" cy="458787"/>
+          </a:xfrm>
+          <a:prstGeom prst="rect">
+            <a:avLst/>
+          </a:prstGeom>
+        </p:spPr>
+        <p:txBody>
+          <a:bodyPr vert="horz" lIns="91440" tIns="45720" rIns="91440" bIns="45720" rtlCol="0" anchor="b"/>
+          <a:lstStyle>
+            <a:lvl1pPr algn="l">
+              <a:defRPr sz="1200"/>
+            </a:lvl1pPr>
+          </a:lstStyle>
+          <a:p>
+            <a:endParaRPr lang="en-US"/>
+          </a:p>
+        </p:txBody>
+      </p:sp>
+      <p:sp>
+        <p:nvSpPr>
+          <p:cNvPr id="7" name="Slide Number Placeholder 6"/>
+          <p:cNvSpPr>
+            <a:spLocks noGrp="1"/>
+          </p:cNvSpPr>
+          <p:nvPr>
+            <p:ph type="sldNum" sz="quarter" idx="5"/>
+          </p:nvPr>
+        </p:nvSpPr>
+        <p:spPr>
+          <a:xfrm>
+            <a:off x="3884613" y="8685213"/>
+            <a:ext cx="2971800" cy="458787"/>
+          </a:xfrm>
+          <a:prstGeom prst="rect">
+            <a:avLst/>
+          </a:prstGeom>
+        </p:spPr>
+        <p:txBody>
+          <a:bodyPr vert="horz" lIns="91440" tIns="45720" rIns="91440" bIns="45720" rtlCol="0" anchor="b"/>
+          <a:lstStyle>
+            <a:lvl1pPr algn="r">
+              <a:defRPr sz="1200"/>
+            </a:lvl1pPr>
+          </a:lstStyle>
+          <a:p>
+            <a:fld id="{86434D6F-A6C3-084A-AD58-2DA20B6A97CC}" type="slidenum">
+              <a:rPr lang="en-US" smtClean="0"/>
+              <a:t>‹#›</a:t>
+            </a:fld>
+            <a:endParaRPr lang="en-US"/>
+          </a:p>
+        </p:txBody>
+      </p:sp>
+    </p:spTree>
+    <p:extLst>
+      <p:ext uri="{BB962C8B-B14F-4D97-AF65-F5344CB8AC3E}">
+        <p14:creationId xmlns:p14="http://schemas.microsoft.com/office/powerpoint/2010/main" val="2526140795"/>
+      </p:ext>
+    </p:extLst>
+  </p:cSld>
+  <p:clrMap bg1="lt1" tx1="dk1" bg2="lt2" tx2="dk2" accent1="accent1" accent2="accent2" accent3="accent3" accent4="accent4" accent5="accent5" accent6="accent6" hlink="hlink" folHlink="folHlink"/>
+  <p:notesStyle>
+    <a:lvl1pPr marL="0" algn="l" defTabSz="914400" rtl="0" eaLnBrk="1" latinLnBrk="0" hangingPunct="1">
+      <a:defRPr sz="1200" kern="1200">
+        <a:solidFill>
+          <a:schemeClr val="tx1"/>
+        </a:solidFill>
+        <a:latin typeface="+mn-lt"/>
+        <a:ea typeface="+mn-ea"/>
+        <a:cs typeface="+mn-cs"/>
+      </a:defRPr>
+    </a:lvl1pPr>
+    <a:lvl2pPr marL="457200" algn="l" defTabSz="914400" rtl="0" eaLnBrk="1" latinLnBrk="0" hangingPunct="1">
+      <a:defRPr sz="1200" kern="1200">
+        <a:solidFill>
+          <a:schemeClr val="tx1"/>
+        </a:solidFill>
+        <a:latin typeface="+mn-lt"/>
+        <a:ea typeface="+mn-ea"/>
+        <a:cs typeface="+mn-cs"/>
+      </a:defRPr>
+    </a:lvl2pPr>
+    <a:lvl3pPr marL="914400" algn="l" defTabSz="914400" rtl="0" eaLnBrk="1" latinLnBrk="0" hangingPunct="1">
+      <a:defRPr sz="1200" kern="1200">
+        <a:solidFill>
+          <a:schemeClr val="tx1"/>
+        </a:solidFill>
+        <a:latin typeface="+mn-lt"/>
+        <a:ea typeface="+mn-ea"/>
+        <a:cs typeface="+mn-cs"/>
+      </a:defRPr>
+    </a:lvl3pPr>
+    <a:lvl4pPr marL="1371600" algn="l" defTabSz="914400" rtl="0" eaLnBrk="1" latinLnBrk="0" hangingPunct="1">
+      <a:defRPr sz="1200" kern="1200">
+        <a:solidFill>
+          <a:schemeClr val="tx1"/>
+        </a:solidFill>
+        <a:latin typeface="+mn-lt"/>
+        <a:ea typeface="+mn-ea"/>
+        <a:cs typeface="+mn-cs"/>
+      </a:defRPr>
+    </a:lvl4pPr>
+    <a:lvl5pPr marL="1828800" algn="l" defTabSz="914400" rtl="0" eaLnBrk="1" latinLnBrk="0" hangingPunct="1">
+      <a:defRPr sz="1200" kern="1200">
+        <a:solidFill>
+          <a:schemeClr val="tx1"/>
+        </a:solidFill>
+        <a:latin typeface="+mn-lt"/>
+        <a:ea typeface="+mn-ea"/>
+        <a:cs typeface="+mn-cs"/>
+      </a:defRPr>
+    </a:lvl5pPr>
+    <a:lvl6pPr marL="2286000" algn="l" defTabSz="914400" rtl="0" eaLnBrk="1" latinLnBrk="0" hangingPunct="1">
+      <a:defRPr sz="1200" kern="1200">
+        <a:solidFill>
+          <a:schemeClr val="tx1"/>
+        </a:solidFill>
+        <a:latin typeface="+mn-lt"/>
+        <a:ea typeface="+mn-ea"/>
+        <a:cs typeface="+mn-cs"/>
+      </a:defRPr>
+    </a:lvl6pPr>
+    <a:lvl7pPr marL="2743200" algn="l" defTabSz="914400" rtl="0" eaLnBrk="1" latinLnBrk="0" hangingPunct="1">
+      <a:defRPr sz="1200" kern="1200">
+        <a:solidFill>
+          <a:schemeClr val="tx1"/>
+        </a:solidFill>
+        <a:latin typeface="+mn-lt"/>
+        <a:ea typeface="+mn-ea"/>
+        <a:cs typeface="+mn-cs"/>
+      </a:defRPr>
+    </a:lvl7pPr>
+    <a:lvl8pPr marL="3200400" algn="l" defTabSz="914400" rtl="0" eaLnBrk="1" latinLnBrk="0" hangingPunct="1">
+      <a:defRPr sz="1200" kern="1200">
+        <a:solidFill>
+          <a:schemeClr val="tx1"/>
+        </a:solidFill>
+        <a:latin typeface="+mn-lt"/>
+        <a:ea typeface="+mn-ea"/>
+        <a:cs typeface="+mn-cs"/>
+      </a:defRPr>
+    </a:lvl8pPr>
+    <a:lvl9pPr marL="3657600" algn="l" defTabSz="914400" rtl="0" eaLnBrk="1" latinLnBrk="0" hangingPunct="1">
+      <a:defRPr sz="1200" kern="1200">
+        <a:solidFill>
+          <a:schemeClr val="tx1"/>
+        </a:solidFill>
+        <a:latin typeface="+mn-lt"/>
+        <a:ea typeface="+mn-ea"/>
+        <a:cs typeface="+mn-cs"/>
+      </a:defRPr>
+    </a:lvl9pPr>
+  </p:notesStyle>
+</p:notesMaster>
+</file>
+
 <file path=ppt/slideLayouts/slideLayout1.xml><?xml version="1.0" encoding="utf-8"?>
 <p:sldLayout xmlns:a="http://schemas.openxmlformats.org/drawingml/2006/main" xmlns:r="http://schemas.openxmlformats.org/officeDocument/2006/relationships" xmlns:p="http://schemas.openxmlformats.org/presentationml/2006/main" type="title" preserve="1">
   <p:cSld name="Title Slide">
@@ -244,7 +596,7 @@
           <a:p>
             <a:fld id="{1E6CC88D-5BAA-5448-A79F-9E542F5C2560}" type="datetimeFigureOut">
               <a:rPr lang="en-US" smtClean="0"/>
-              <a:t>1/29/24</a:t>
+              <a:t>2/2/24</a:t>
             </a:fld>
             <a:endParaRPr lang="en-US"/>
           </a:p>
@@ -414,7 +766,7 @@
           <a:p>
             <a:fld id="{1E6CC88D-5BAA-5448-A79F-9E542F5C2560}" type="datetimeFigureOut">
               <a:rPr lang="en-US" smtClean="0"/>
-              <a:t>1/29/24</a:t>
+              <a:t>2/2/24</a:t>
             </a:fld>
             <a:endParaRPr lang="en-US"/>
           </a:p>
@@ -594,7 +946,7 @@
           <a:p>
             <a:fld id="{1E6CC88D-5BAA-5448-A79F-9E542F5C2560}" type="datetimeFigureOut">
               <a:rPr lang="en-US" smtClean="0"/>
-              <a:t>1/29/24</a:t>
+              <a:t>2/2/24</a:t>
             </a:fld>
             <a:endParaRPr lang="en-US"/>
           </a:p>
@@ -764,7 +1116,7 @@
           <a:p>
             <a:fld id="{1E6CC88D-5BAA-5448-A79F-9E542F5C2560}" type="datetimeFigureOut">
               <a:rPr lang="en-US" smtClean="0"/>
-              <a:t>1/29/24</a:t>
+              <a:t>2/2/24</a:t>
             </a:fld>
             <a:endParaRPr lang="en-US"/>
           </a:p>
@@ -1010,7 +1362,7 @@
           <a:p>
             <a:fld id="{1E6CC88D-5BAA-5448-A79F-9E542F5C2560}" type="datetimeFigureOut">
               <a:rPr lang="en-US" smtClean="0"/>
-              <a:t>1/29/24</a:t>
+              <a:t>2/2/24</a:t>
             </a:fld>
             <a:endParaRPr lang="en-US"/>
           </a:p>
@@ -1242,7 +1594,7 @@
           <a:p>
             <a:fld id="{1E6CC88D-5BAA-5448-A79F-9E542F5C2560}" type="datetimeFigureOut">
               <a:rPr lang="en-US" smtClean="0"/>
-              <a:t>1/29/24</a:t>
+              <a:t>2/2/24</a:t>
             </a:fld>
             <a:endParaRPr lang="en-US"/>
           </a:p>
@@ -1609,7 +1961,7 @@
           <a:p>
             <a:fld id="{1E6CC88D-5BAA-5448-A79F-9E542F5C2560}" type="datetimeFigureOut">
               <a:rPr lang="en-US" smtClean="0"/>
-              <a:t>1/29/24</a:t>
+              <a:t>2/2/24</a:t>
             </a:fld>
             <a:endParaRPr lang="en-US"/>
           </a:p>
@@ -1727,7 +2079,7 @@
           <a:p>
             <a:fld id="{1E6CC88D-5BAA-5448-A79F-9E542F5C2560}" type="datetimeFigureOut">
               <a:rPr lang="en-US" smtClean="0"/>
-              <a:t>1/29/24</a:t>
+              <a:t>2/2/24</a:t>
             </a:fld>
             <a:endParaRPr lang="en-US"/>
           </a:p>
@@ -1822,7 +2174,7 @@
           <a:p>
             <a:fld id="{1E6CC88D-5BAA-5448-A79F-9E542F5C2560}" type="datetimeFigureOut">
               <a:rPr lang="en-US" smtClean="0"/>
-              <a:t>1/29/24</a:t>
+              <a:t>2/2/24</a:t>
             </a:fld>
             <a:endParaRPr lang="en-US"/>
           </a:p>
@@ -2099,7 +2451,7 @@
           <a:p>
             <a:fld id="{1E6CC88D-5BAA-5448-A79F-9E542F5C2560}" type="datetimeFigureOut">
               <a:rPr lang="en-US" smtClean="0"/>
-              <a:t>1/29/24</a:t>
+              <a:t>2/2/24</a:t>
             </a:fld>
             <a:endParaRPr lang="en-US"/>
           </a:p>
@@ -2356,7 +2708,7 @@
           <a:p>
             <a:fld id="{1E6CC88D-5BAA-5448-A79F-9E542F5C2560}" type="datetimeFigureOut">
               <a:rPr lang="en-US" smtClean="0"/>
-              <a:t>1/29/24</a:t>
+              <a:t>2/2/24</a:t>
             </a:fld>
             <a:endParaRPr lang="en-US"/>
           </a:p>
@@ -2569,7 +2921,7 @@
           <a:p>
             <a:fld id="{1E6CC88D-5BAA-5448-A79F-9E542F5C2560}" type="datetimeFigureOut">
               <a:rPr lang="en-US" smtClean="0"/>
-              <a:t>1/29/24</a:t>
+              <a:t>2/2/24</a:t>
             </a:fld>
             <a:endParaRPr lang="en-US"/>
           </a:p>
@@ -3659,7 +4011,7 @@
         </p:blipFill>
         <p:spPr>
           <a:xfrm>
-            <a:off x="7219528" y="3429000"/>
+            <a:off x="7606382" y="3771885"/>
             <a:ext cx="2743200" cy="2743200"/>
           </a:xfrm>
           <a:prstGeom prst="rect">
@@ -3689,7 +4041,7 @@
         </p:blipFill>
         <p:spPr>
           <a:xfrm>
-            <a:off x="4673163" y="3429000"/>
+            <a:off x="5060017" y="3771885"/>
             <a:ext cx="2743200" cy="2743200"/>
           </a:xfrm>
           <a:prstGeom prst="rect">
@@ -3719,7 +4071,7 @@
         </p:blipFill>
         <p:spPr>
           <a:xfrm>
-            <a:off x="9765209" y="270642"/>
+            <a:off x="10152063" y="613527"/>
             <a:ext cx="2743200" cy="2743200"/>
           </a:xfrm>
           <a:prstGeom prst="rect">
@@ -3749,7 +4101,7 @@
         </p:blipFill>
         <p:spPr>
           <a:xfrm>
-            <a:off x="7219528" y="270642"/>
+            <a:off x="7606382" y="613527"/>
             <a:ext cx="2743200" cy="2743200"/>
           </a:xfrm>
           <a:prstGeom prst="rect">
@@ -3779,7 +4131,7 @@
         </p:blipFill>
         <p:spPr>
           <a:xfrm>
-            <a:off x="4673847" y="270642"/>
+            <a:off x="5060701" y="613527"/>
             <a:ext cx="2743200" cy="2743200"/>
           </a:xfrm>
           <a:prstGeom prst="rect">
@@ -3837,7 +4189,7 @@
         </p:blipFill>
         <p:spPr>
           <a:xfrm>
-            <a:off x="10563411" y="3260565"/>
+            <a:off x="10563411" y="3603450"/>
             <a:ext cx="1146796" cy="2821800"/>
           </a:xfrm>
           <a:prstGeom prst="rect">
@@ -3867,7 +4219,7 @@
         </p:blipFill>
         <p:spPr>
           <a:xfrm>
-            <a:off x="2128166" y="270642"/>
+            <a:off x="2515020" y="613527"/>
             <a:ext cx="2743200" cy="2743200"/>
           </a:xfrm>
           <a:prstGeom prst="rect">
@@ -3897,7 +4249,7 @@
         </p:blipFill>
         <p:spPr>
           <a:xfrm>
-            <a:off x="2126799" y="3429000"/>
+            <a:off x="2513653" y="3771885"/>
             <a:ext cx="2743200" cy="2743200"/>
           </a:xfrm>
           <a:prstGeom prst="rect">
@@ -3905,6 +4257,581 @@
           </a:prstGeom>
         </p:spPr>
       </p:pic>
+      <p:sp>
+        <p:nvSpPr>
+          <p:cNvPr id="2" name="TextBox 1">
+            <a:extLst>
+              <a:ext uri="{FF2B5EF4-FFF2-40B4-BE49-F238E27FC236}">
+                <a16:creationId xmlns:a16="http://schemas.microsoft.com/office/drawing/2014/main" id="{D7AE0BDC-F3D7-F1A0-F1E1-90A3B74EAA70}"/>
+              </a:ext>
+            </a:extLst>
+          </p:cNvPr>
+          <p:cNvSpPr txBox="1"/>
+          <p:nvPr/>
+        </p:nvSpPr>
+        <p:spPr>
+          <a:xfrm>
+            <a:off x="123092" y="114300"/>
+            <a:ext cx="423514" cy="369332"/>
+          </a:xfrm>
+          <a:prstGeom prst="rect">
+            <a:avLst/>
+          </a:prstGeom>
+          <a:noFill/>
+        </p:spPr>
+        <p:txBody>
+          <a:bodyPr wrap="none" rtlCol="0">
+            <a:spAutoFit/>
+          </a:bodyPr>
+          <a:lstStyle/>
+          <a:p>
+            <a:r>
+              <a:rPr lang="en-US" dirty="0"/>
+              <a:t>a.)</a:t>
+            </a:r>
+          </a:p>
+        </p:txBody>
+      </p:sp>
+      <p:sp>
+        <p:nvSpPr>
+          <p:cNvPr id="3" name="TextBox 2">
+            <a:extLst>
+              <a:ext uri="{FF2B5EF4-FFF2-40B4-BE49-F238E27FC236}">
+                <a16:creationId xmlns:a16="http://schemas.microsoft.com/office/drawing/2014/main" id="{8CAE08D8-0707-019B-9B70-ED9469441192}"/>
+              </a:ext>
+            </a:extLst>
+          </p:cNvPr>
+          <p:cNvSpPr txBox="1"/>
+          <p:nvPr/>
+        </p:nvSpPr>
+        <p:spPr>
+          <a:xfrm>
+            <a:off x="2049544" y="114300"/>
+            <a:ext cx="434734" cy="369332"/>
+          </a:xfrm>
+          <a:prstGeom prst="rect">
+            <a:avLst/>
+          </a:prstGeom>
+          <a:noFill/>
+        </p:spPr>
+        <p:txBody>
+          <a:bodyPr wrap="none" rtlCol="0">
+            <a:spAutoFit/>
+          </a:bodyPr>
+          <a:lstStyle/>
+          <a:p>
+            <a:r>
+              <a:rPr lang="en-US" dirty="0"/>
+              <a:t>b.)</a:t>
+            </a:r>
+          </a:p>
+        </p:txBody>
+      </p:sp>
+      <p:sp>
+        <p:nvSpPr>
+          <p:cNvPr id="4" name="TextBox 3">
+            <a:extLst>
+              <a:ext uri="{FF2B5EF4-FFF2-40B4-BE49-F238E27FC236}">
+                <a16:creationId xmlns:a16="http://schemas.microsoft.com/office/drawing/2014/main" id="{834377EC-E96A-C8D4-F405-7CF6D3001B93}"/>
+              </a:ext>
+            </a:extLst>
+          </p:cNvPr>
+          <p:cNvSpPr txBox="1"/>
+          <p:nvPr/>
+        </p:nvSpPr>
+        <p:spPr>
+          <a:xfrm rot="16200000">
+            <a:off x="1310463" y="1629963"/>
+            <a:ext cx="2018501" cy="369332"/>
+          </a:xfrm>
+          <a:prstGeom prst="rect">
+            <a:avLst/>
+          </a:prstGeom>
+          <a:noFill/>
+        </p:spPr>
+        <p:txBody>
+          <a:bodyPr wrap="none" rtlCol="0">
+            <a:spAutoFit/>
+          </a:bodyPr>
+          <a:lstStyle/>
+          <a:p>
+            <a:pPr algn="ctr"/>
+            <a:r>
+              <a:rPr lang="en-US" dirty="0">
+                <a:latin typeface="Arial" panose="020B0604020202020204" pitchFamily="34" charset="0"/>
+                <a:cs typeface="Arial" panose="020B0604020202020204" pitchFamily="34" charset="0"/>
+              </a:rPr>
+              <a:t>Douglas-fir Forest</a:t>
+            </a:r>
+          </a:p>
+        </p:txBody>
+      </p:sp>
+      <p:sp>
+        <p:nvSpPr>
+          <p:cNvPr id="5" name="TextBox 4">
+            <a:extLst>
+              <a:ext uri="{FF2B5EF4-FFF2-40B4-BE49-F238E27FC236}">
+                <a16:creationId xmlns:a16="http://schemas.microsoft.com/office/drawing/2014/main" id="{E13B3BCB-4603-69EC-51E0-F913B3E38C21}"/>
+              </a:ext>
+            </a:extLst>
+          </p:cNvPr>
+          <p:cNvSpPr txBox="1"/>
+          <p:nvPr/>
+        </p:nvSpPr>
+        <p:spPr>
+          <a:xfrm>
+            <a:off x="3306330" y="312356"/>
+            <a:ext cx="1197764" cy="584775"/>
+          </a:xfrm>
+          <a:prstGeom prst="rect">
+            <a:avLst/>
+          </a:prstGeom>
+          <a:noFill/>
+        </p:spPr>
+        <p:txBody>
+          <a:bodyPr wrap="none" rtlCol="0">
+            <a:spAutoFit/>
+          </a:bodyPr>
+          <a:lstStyle/>
+          <a:p>
+            <a:pPr algn="ctr"/>
+            <a:r>
+              <a:rPr lang="en-US" dirty="0">
+                <a:latin typeface="Arial" panose="020B0604020202020204" pitchFamily="34" charset="0"/>
+                <a:cs typeface="Arial" panose="020B0604020202020204" pitchFamily="34" charset="0"/>
+              </a:rPr>
+              <a:t>Unburned</a:t>
+            </a:r>
+          </a:p>
+          <a:p>
+            <a:pPr algn="ctr"/>
+            <a:r>
+              <a:rPr lang="en-US" sz="1400" dirty="0">
+                <a:latin typeface="Arial" panose="020B0604020202020204" pitchFamily="34" charset="0"/>
+                <a:cs typeface="Arial" panose="020B0604020202020204" pitchFamily="34" charset="0"/>
+              </a:rPr>
+              <a:t>(25</a:t>
+            </a:r>
+            <a:r>
+              <a:rPr lang="en-US" sz="1400" dirty="0">
+                <a:latin typeface="Arial" panose="020B0604020202020204" pitchFamily="34" charset="0"/>
+                <a:ea typeface="Calibri" panose="020F0502020204030204" pitchFamily="34" charset="0"/>
+                <a:cs typeface="Arial" panose="020B0604020202020204" pitchFamily="34" charset="0"/>
+              </a:rPr>
+              <a:t>)</a:t>
+            </a:r>
+            <a:endParaRPr lang="en-US" sz="1400" dirty="0">
+              <a:latin typeface="Arial" panose="020B0604020202020204" pitchFamily="34" charset="0"/>
+              <a:cs typeface="Arial" panose="020B0604020202020204" pitchFamily="34" charset="0"/>
+            </a:endParaRPr>
+          </a:p>
+        </p:txBody>
+      </p:sp>
+      <p:sp>
+        <p:nvSpPr>
+          <p:cNvPr id="6" name="TextBox 5">
+            <a:extLst>
+              <a:ext uri="{FF2B5EF4-FFF2-40B4-BE49-F238E27FC236}">
+                <a16:creationId xmlns:a16="http://schemas.microsoft.com/office/drawing/2014/main" id="{2A4D085E-DAB5-8602-9B04-166A7DA3C9C3}"/>
+              </a:ext>
+            </a:extLst>
+          </p:cNvPr>
+          <p:cNvSpPr txBox="1"/>
+          <p:nvPr/>
+        </p:nvSpPr>
+        <p:spPr>
+          <a:xfrm>
+            <a:off x="6018111" y="312356"/>
+            <a:ext cx="958917" cy="584775"/>
+          </a:xfrm>
+          <a:prstGeom prst="rect">
+            <a:avLst/>
+          </a:prstGeom>
+          <a:noFill/>
+        </p:spPr>
+        <p:txBody>
+          <a:bodyPr wrap="none" rtlCol="0">
+            <a:spAutoFit/>
+          </a:bodyPr>
+          <a:lstStyle/>
+          <a:p>
+            <a:pPr algn="ctr"/>
+            <a:r>
+              <a:rPr lang="en-US" dirty="0">
+                <a:latin typeface="Arial" panose="020B0604020202020204" pitchFamily="34" charset="0"/>
+                <a:cs typeface="Arial" panose="020B0604020202020204" pitchFamily="34" charset="0"/>
+              </a:rPr>
+              <a:t>Low</a:t>
+            </a:r>
+          </a:p>
+          <a:p>
+            <a:pPr algn="ctr"/>
+            <a:r>
+              <a:rPr lang="en-US" sz="1400" dirty="0">
+                <a:latin typeface="Arial" panose="020B0604020202020204" pitchFamily="34" charset="0"/>
+                <a:cs typeface="Arial" panose="020B0604020202020204" pitchFamily="34" charset="0"/>
+              </a:rPr>
+              <a:t>(295-627</a:t>
+            </a:r>
+            <a:r>
+              <a:rPr lang="en-US" sz="1400" dirty="0">
+                <a:latin typeface="Arial" panose="020B0604020202020204" pitchFamily="34" charset="0"/>
+                <a:ea typeface="Calibri" panose="020F0502020204030204" pitchFamily="34" charset="0"/>
+                <a:cs typeface="Arial" panose="020B0604020202020204" pitchFamily="34" charset="0"/>
+              </a:rPr>
+              <a:t>)</a:t>
+            </a:r>
+            <a:endParaRPr lang="en-US" sz="1400" dirty="0">
+              <a:latin typeface="Arial" panose="020B0604020202020204" pitchFamily="34" charset="0"/>
+              <a:cs typeface="Arial" panose="020B0604020202020204" pitchFamily="34" charset="0"/>
+            </a:endParaRPr>
+          </a:p>
+        </p:txBody>
+      </p:sp>
+      <p:sp>
+        <p:nvSpPr>
+          <p:cNvPr id="7" name="TextBox 6">
+            <a:extLst>
+              <a:ext uri="{FF2B5EF4-FFF2-40B4-BE49-F238E27FC236}">
+                <a16:creationId xmlns:a16="http://schemas.microsoft.com/office/drawing/2014/main" id="{485C82A0-38F0-E98D-3D0C-35FF882F28E8}"/>
+              </a:ext>
+            </a:extLst>
+          </p:cNvPr>
+          <p:cNvSpPr txBox="1"/>
+          <p:nvPr/>
+        </p:nvSpPr>
+        <p:spPr>
+          <a:xfrm>
+            <a:off x="8491045" y="312356"/>
+            <a:ext cx="1159292" cy="584775"/>
+          </a:xfrm>
+          <a:prstGeom prst="rect">
+            <a:avLst/>
+          </a:prstGeom>
+          <a:noFill/>
+        </p:spPr>
+        <p:txBody>
+          <a:bodyPr wrap="none" rtlCol="0">
+            <a:spAutoFit/>
+          </a:bodyPr>
+          <a:lstStyle/>
+          <a:p>
+            <a:pPr algn="ctr"/>
+            <a:r>
+              <a:rPr lang="en-US" dirty="0">
+                <a:latin typeface="Arial" panose="020B0604020202020204" pitchFamily="34" charset="0"/>
+                <a:cs typeface="Arial" panose="020B0604020202020204" pitchFamily="34" charset="0"/>
+              </a:rPr>
+              <a:t>Moderate</a:t>
+            </a:r>
+          </a:p>
+          <a:p>
+            <a:pPr algn="ctr"/>
+            <a:r>
+              <a:rPr lang="en-US" sz="1400" dirty="0">
+                <a:latin typeface="Arial" panose="020B0604020202020204" pitchFamily="34" charset="0"/>
+                <a:cs typeface="Arial" panose="020B0604020202020204" pitchFamily="34" charset="0"/>
+              </a:rPr>
+              <a:t>(589-757</a:t>
+            </a:r>
+            <a:r>
+              <a:rPr lang="en-US" sz="1400" dirty="0">
+                <a:latin typeface="Arial" panose="020B0604020202020204" pitchFamily="34" charset="0"/>
+                <a:ea typeface="Calibri" panose="020F0502020204030204" pitchFamily="34" charset="0"/>
+                <a:cs typeface="Arial" panose="020B0604020202020204" pitchFamily="34" charset="0"/>
+              </a:rPr>
+              <a:t>)</a:t>
+            </a:r>
+            <a:endParaRPr lang="en-US" sz="1400" dirty="0">
+              <a:latin typeface="Arial" panose="020B0604020202020204" pitchFamily="34" charset="0"/>
+              <a:cs typeface="Arial" panose="020B0604020202020204" pitchFamily="34" charset="0"/>
+            </a:endParaRPr>
+          </a:p>
+        </p:txBody>
+      </p:sp>
+      <p:sp>
+        <p:nvSpPr>
+          <p:cNvPr id="8" name="TextBox 7">
+            <a:extLst>
+              <a:ext uri="{FF2B5EF4-FFF2-40B4-BE49-F238E27FC236}">
+                <a16:creationId xmlns:a16="http://schemas.microsoft.com/office/drawing/2014/main" id="{2D446B02-CFC3-AB0E-9CB2-0BC73A905849}"/>
+              </a:ext>
+            </a:extLst>
+          </p:cNvPr>
+          <p:cNvSpPr txBox="1"/>
+          <p:nvPr/>
+        </p:nvSpPr>
+        <p:spPr>
+          <a:xfrm>
+            <a:off x="11164353" y="312356"/>
+            <a:ext cx="958917" cy="584775"/>
+          </a:xfrm>
+          <a:prstGeom prst="rect">
+            <a:avLst/>
+          </a:prstGeom>
+          <a:noFill/>
+        </p:spPr>
+        <p:txBody>
+          <a:bodyPr wrap="none" rtlCol="0">
+            <a:spAutoFit/>
+          </a:bodyPr>
+          <a:lstStyle/>
+          <a:p>
+            <a:pPr algn="ctr"/>
+            <a:r>
+              <a:rPr lang="en-US" dirty="0">
+                <a:latin typeface="Arial" panose="020B0604020202020204" pitchFamily="34" charset="0"/>
+                <a:cs typeface="Arial" panose="020B0604020202020204" pitchFamily="34" charset="0"/>
+              </a:rPr>
+              <a:t>High</a:t>
+            </a:r>
+          </a:p>
+          <a:p>
+            <a:pPr algn="ctr"/>
+            <a:r>
+              <a:rPr lang="en-US" sz="1400" dirty="0">
+                <a:latin typeface="Arial" panose="020B0604020202020204" pitchFamily="34" charset="0"/>
+                <a:cs typeface="Arial" panose="020B0604020202020204" pitchFamily="34" charset="0"/>
+              </a:rPr>
+              <a:t>(589-757</a:t>
+            </a:r>
+            <a:r>
+              <a:rPr lang="en-US" sz="1400" dirty="0">
+                <a:latin typeface="Arial" panose="020B0604020202020204" pitchFamily="34" charset="0"/>
+                <a:ea typeface="Calibri" panose="020F0502020204030204" pitchFamily="34" charset="0"/>
+                <a:cs typeface="Arial" panose="020B0604020202020204" pitchFamily="34" charset="0"/>
+              </a:rPr>
+              <a:t>)</a:t>
+            </a:r>
+            <a:endParaRPr lang="en-US" sz="1400" dirty="0">
+              <a:latin typeface="Arial" panose="020B0604020202020204" pitchFamily="34" charset="0"/>
+              <a:cs typeface="Arial" panose="020B0604020202020204" pitchFamily="34" charset="0"/>
+            </a:endParaRPr>
+          </a:p>
+        </p:txBody>
+      </p:sp>
+      <p:sp>
+        <p:nvSpPr>
+          <p:cNvPr id="9" name="TextBox 8">
+            <a:extLst>
+              <a:ext uri="{FF2B5EF4-FFF2-40B4-BE49-F238E27FC236}">
+                <a16:creationId xmlns:a16="http://schemas.microsoft.com/office/drawing/2014/main" id="{B315A08D-AD6A-202F-C3B6-5FECDDB7626A}"/>
+              </a:ext>
+            </a:extLst>
+          </p:cNvPr>
+          <p:cNvSpPr txBox="1"/>
+          <p:nvPr/>
+        </p:nvSpPr>
+        <p:spPr>
+          <a:xfrm rot="16200000">
+            <a:off x="1117861" y="4790500"/>
+            <a:ext cx="2416047" cy="369332"/>
+          </a:xfrm>
+          <a:prstGeom prst="rect">
+            <a:avLst/>
+          </a:prstGeom>
+          <a:noFill/>
+        </p:spPr>
+        <p:txBody>
+          <a:bodyPr wrap="none" rtlCol="0">
+            <a:spAutoFit/>
+          </a:bodyPr>
+          <a:lstStyle/>
+          <a:p>
+            <a:pPr algn="ctr"/>
+            <a:r>
+              <a:rPr lang="en-US" dirty="0">
+                <a:latin typeface="Arial" panose="020B0604020202020204" pitchFamily="34" charset="0"/>
+                <a:cs typeface="Arial" panose="020B0604020202020204" pitchFamily="34" charset="0"/>
+              </a:rPr>
+              <a:t>Sagebrush Shrubland</a:t>
+            </a:r>
+          </a:p>
+        </p:txBody>
+      </p:sp>
+      <p:sp>
+        <p:nvSpPr>
+          <p:cNvPr id="10" name="TextBox 9">
+            <a:extLst>
+              <a:ext uri="{FF2B5EF4-FFF2-40B4-BE49-F238E27FC236}">
+                <a16:creationId xmlns:a16="http://schemas.microsoft.com/office/drawing/2014/main" id="{07F05F86-C387-EAC0-2578-35C818C70A68}"/>
+              </a:ext>
+            </a:extLst>
+          </p:cNvPr>
+          <p:cNvSpPr txBox="1"/>
+          <p:nvPr/>
+        </p:nvSpPr>
+        <p:spPr>
+          <a:xfrm>
+            <a:off x="3271416" y="3470400"/>
+            <a:ext cx="1197764" cy="584775"/>
+          </a:xfrm>
+          <a:prstGeom prst="rect">
+            <a:avLst/>
+          </a:prstGeom>
+          <a:noFill/>
+        </p:spPr>
+        <p:txBody>
+          <a:bodyPr wrap="none" rtlCol="0">
+            <a:spAutoFit/>
+          </a:bodyPr>
+          <a:lstStyle/>
+          <a:p>
+            <a:pPr algn="ctr"/>
+            <a:r>
+              <a:rPr lang="en-US" dirty="0">
+                <a:latin typeface="Arial" panose="020B0604020202020204" pitchFamily="34" charset="0"/>
+                <a:cs typeface="Arial" panose="020B0604020202020204" pitchFamily="34" charset="0"/>
+              </a:rPr>
+              <a:t>Unburned</a:t>
+            </a:r>
+          </a:p>
+          <a:p>
+            <a:pPr algn="ctr"/>
+            <a:r>
+              <a:rPr lang="en-US" sz="1400" dirty="0">
+                <a:latin typeface="Arial" panose="020B0604020202020204" pitchFamily="34" charset="0"/>
+                <a:cs typeface="Arial" panose="020B0604020202020204" pitchFamily="34" charset="0"/>
+              </a:rPr>
+              <a:t>(25</a:t>
+            </a:r>
+            <a:r>
+              <a:rPr lang="en-US" sz="1400" dirty="0">
+                <a:latin typeface="Arial" panose="020B0604020202020204" pitchFamily="34" charset="0"/>
+                <a:ea typeface="Calibri" panose="020F0502020204030204" pitchFamily="34" charset="0"/>
+                <a:cs typeface="Arial" panose="020B0604020202020204" pitchFamily="34" charset="0"/>
+              </a:rPr>
+              <a:t>)</a:t>
+            </a:r>
+            <a:endParaRPr lang="en-US" sz="1400" dirty="0">
+              <a:latin typeface="Arial" panose="020B0604020202020204" pitchFamily="34" charset="0"/>
+              <a:cs typeface="Arial" panose="020B0604020202020204" pitchFamily="34" charset="0"/>
+            </a:endParaRPr>
+          </a:p>
+        </p:txBody>
+      </p:sp>
+      <p:sp>
+        <p:nvSpPr>
+          <p:cNvPr id="11" name="TextBox 10">
+            <a:extLst>
+              <a:ext uri="{FF2B5EF4-FFF2-40B4-BE49-F238E27FC236}">
+                <a16:creationId xmlns:a16="http://schemas.microsoft.com/office/drawing/2014/main" id="{9B299702-F298-77F3-0B7E-CEE60780F705}"/>
+              </a:ext>
+            </a:extLst>
+          </p:cNvPr>
+          <p:cNvSpPr txBox="1"/>
+          <p:nvPr/>
+        </p:nvSpPr>
+        <p:spPr>
+          <a:xfrm>
+            <a:off x="6077228" y="3470400"/>
+            <a:ext cx="958917" cy="584775"/>
+          </a:xfrm>
+          <a:prstGeom prst="rect">
+            <a:avLst/>
+          </a:prstGeom>
+          <a:noFill/>
+        </p:spPr>
+        <p:txBody>
+          <a:bodyPr wrap="none" rtlCol="0">
+            <a:spAutoFit/>
+          </a:bodyPr>
+          <a:lstStyle/>
+          <a:p>
+            <a:pPr algn="ctr"/>
+            <a:r>
+              <a:rPr lang="en-US" dirty="0">
+                <a:latin typeface="Arial" panose="020B0604020202020204" pitchFamily="34" charset="0"/>
+                <a:cs typeface="Arial" panose="020B0604020202020204" pitchFamily="34" charset="0"/>
+              </a:rPr>
+              <a:t>Low</a:t>
+            </a:r>
+          </a:p>
+          <a:p>
+            <a:pPr algn="ctr"/>
+            <a:r>
+              <a:rPr lang="en-US" sz="1400" dirty="0">
+                <a:latin typeface="Arial" panose="020B0604020202020204" pitchFamily="34" charset="0"/>
+                <a:cs typeface="Arial" panose="020B0604020202020204" pitchFamily="34" charset="0"/>
+              </a:rPr>
+              <a:t>(308-502</a:t>
+            </a:r>
+            <a:r>
+              <a:rPr lang="en-US" sz="1400" dirty="0">
+                <a:latin typeface="Arial" panose="020B0604020202020204" pitchFamily="34" charset="0"/>
+                <a:ea typeface="Calibri" panose="020F0502020204030204" pitchFamily="34" charset="0"/>
+                <a:cs typeface="Arial" panose="020B0604020202020204" pitchFamily="34" charset="0"/>
+              </a:rPr>
+              <a:t>)</a:t>
+            </a:r>
+            <a:endParaRPr lang="en-US" sz="1400" dirty="0">
+              <a:latin typeface="Arial" panose="020B0604020202020204" pitchFamily="34" charset="0"/>
+              <a:cs typeface="Arial" panose="020B0604020202020204" pitchFamily="34" charset="0"/>
+            </a:endParaRPr>
+          </a:p>
+        </p:txBody>
+      </p:sp>
+      <p:sp>
+        <p:nvSpPr>
+          <p:cNvPr id="12" name="TextBox 11">
+            <a:extLst>
+              <a:ext uri="{FF2B5EF4-FFF2-40B4-BE49-F238E27FC236}">
+                <a16:creationId xmlns:a16="http://schemas.microsoft.com/office/drawing/2014/main" id="{AAFAA60A-0128-0B6C-3E32-3044A8EF2C84}"/>
+              </a:ext>
+            </a:extLst>
+          </p:cNvPr>
+          <p:cNvSpPr txBox="1"/>
+          <p:nvPr/>
+        </p:nvSpPr>
+        <p:spPr>
+          <a:xfrm>
+            <a:off x="8644194" y="3470400"/>
+            <a:ext cx="1159292" cy="584775"/>
+          </a:xfrm>
+          <a:prstGeom prst="rect">
+            <a:avLst/>
+          </a:prstGeom>
+          <a:noFill/>
+        </p:spPr>
+        <p:txBody>
+          <a:bodyPr wrap="none" rtlCol="0">
+            <a:spAutoFit/>
+          </a:bodyPr>
+          <a:lstStyle/>
+          <a:p>
+            <a:pPr algn="ctr"/>
+            <a:r>
+              <a:rPr lang="en-US" dirty="0">
+                <a:latin typeface="Arial" panose="020B0604020202020204" pitchFamily="34" charset="0"/>
+                <a:cs typeface="Arial" panose="020B0604020202020204" pitchFamily="34" charset="0"/>
+              </a:rPr>
+              <a:t>Moderate</a:t>
+            </a:r>
+          </a:p>
+          <a:p>
+            <a:pPr algn="ctr"/>
+            <a:r>
+              <a:rPr lang="en-US" sz="1400" dirty="0">
+                <a:latin typeface="Arial" panose="020B0604020202020204" pitchFamily="34" charset="0"/>
+                <a:cs typeface="Arial" panose="020B0604020202020204" pitchFamily="34" charset="0"/>
+              </a:rPr>
+              <a:t>(512-547</a:t>
+            </a:r>
+            <a:r>
+              <a:rPr lang="en-US" sz="1400" dirty="0">
+                <a:latin typeface="Arial" panose="020B0604020202020204" pitchFamily="34" charset="0"/>
+                <a:ea typeface="Calibri" panose="020F0502020204030204" pitchFamily="34" charset="0"/>
+                <a:cs typeface="Arial" panose="020B0604020202020204" pitchFamily="34" charset="0"/>
+              </a:rPr>
+              <a:t>)</a:t>
+            </a:r>
+            <a:endParaRPr lang="en-US" sz="1400" dirty="0">
+              <a:latin typeface="Arial" panose="020B0604020202020204" pitchFamily="34" charset="0"/>
+              <a:cs typeface="Arial" panose="020B0604020202020204" pitchFamily="34" charset="0"/>
+            </a:endParaRPr>
+          </a:p>
+        </p:txBody>
+      </p:sp>
     </p:spTree>
     <p:extLst>
       <p:ext uri="{BB962C8B-B14F-4D97-AF65-F5344CB8AC3E}">
@@ -4177,4 +5104,299 @@
     </a:ext>
   </a:extLst>
 </a:theme>
+</file>
+
+<file path=ppt/theme/theme2.xml><?xml version="1.0" encoding="utf-8"?>
+<a:theme xmlns:a="http://schemas.openxmlformats.org/drawingml/2006/main" name="Office Theme">
+  <a:themeElements>
+    <a:clrScheme name="Office">
+      <a:dk1>
+        <a:sysClr val="windowText" lastClr="000000"/>
+      </a:dk1>
+      <a:lt1>
+        <a:sysClr val="window" lastClr="FFFFFF"/>
+      </a:lt1>
+      <a:dk2>
+        <a:srgbClr val="44546A"/>
+      </a:dk2>
+      <a:lt2>
+        <a:srgbClr val="E7E6E6"/>
+      </a:lt2>
+      <a:accent1>
+        <a:srgbClr val="4472C4"/>
+      </a:accent1>
+      <a:accent2>
+        <a:srgbClr val="ED7D31"/>
+      </a:accent2>
+      <a:accent3>
+        <a:srgbClr val="A5A5A5"/>
+      </a:accent3>
+      <a:accent4>
+        <a:srgbClr val="FFC000"/>
+      </a:accent4>
+      <a:accent5>
+        <a:srgbClr val="5B9BD5"/>
+      </a:accent5>
+      <a:accent6>
+        <a:srgbClr val="70AD47"/>
+      </a:accent6>
+      <a:hlink>
+        <a:srgbClr val="0563C1"/>
+      </a:hlink>
+      <a:folHlink>
+        <a:srgbClr val="954F72"/>
+      </a:folHlink>
+    </a:clrScheme>
+    <a:fontScheme name="Office">
+      <a:majorFont>
+        <a:latin typeface="Calibri Light" panose="020F0302020204030204"/>
+        <a:ea typeface=""/>
+        <a:cs typeface=""/>
+        <a:font script="Jpan" typeface="游ゴシック Light"/>
+        <a:font script="Hang" typeface="맑은 고딕"/>
+        <a:font script="Hans" typeface="等线 Light"/>
+        <a:font script="Hant" typeface="新細明體"/>
+        <a:font script="Arab" typeface="Times New Roman"/>
+        <a:font script="Hebr" typeface="Times New Roman"/>
+        <a:font script="Thai" typeface="Angsana New"/>
+        <a:font script="Ethi" typeface="Nyala"/>
+        <a:font script="Beng" typeface="Vrinda"/>
+        <a:font script="Gujr" typeface="Shruti"/>
+        <a:font script="Khmr" typeface="MoolBoran"/>
+        <a:font script="Knda" typeface="Tunga"/>
+        <a:font script="Guru" typeface="Raavi"/>
+        <a:font script="Cans" typeface="Euphemia"/>
+        <a:font script="Cher" typeface="Plantagenet Cherokee"/>
+        <a:font script="Yiii" typeface="Microsoft Yi Baiti"/>
+        <a:font script="Tibt" typeface="Microsoft Himalaya"/>
+        <a:font script="Thaa" typeface="MV Boli"/>
+        <a:font script="Deva" typeface="Mangal"/>
+        <a:font script="Telu" typeface="Gautami"/>
+        <a:font script="Taml" typeface="Latha"/>
+        <a:font script="Syrc" typeface="Estrangelo Edessa"/>
+        <a:font script="Orya" typeface="Kalinga"/>
+        <a:font script="Mlym" typeface="Kartika"/>
+        <a:font script="Laoo" typeface="DokChampa"/>
+        <a:font script="Sinh" typeface="Iskoola Pota"/>
+        <a:font script="Mong" typeface="Mongolian Baiti"/>
+        <a:font script="Viet" typeface="Times New Roman"/>
+        <a:font script="Uigh" typeface="Microsoft Uighur"/>
+        <a:font script="Geor" typeface="Sylfaen"/>
+        <a:font script="Armn" typeface="Arial"/>
+        <a:font script="Bugi" typeface="Leelawadee UI"/>
+        <a:font script="Bopo" typeface="Microsoft JhengHei"/>
+        <a:font script="Java" typeface="Javanese Text"/>
+        <a:font script="Lisu" typeface="Segoe UI"/>
+        <a:font script="Mymr" typeface="Myanmar Text"/>
+        <a:font script="Nkoo" typeface="Ebrima"/>
+        <a:font script="Olck" typeface="Nirmala UI"/>
+        <a:font script="Osma" typeface="Ebrima"/>
+        <a:font script="Phag" typeface="Phagspa"/>
+        <a:font script="Syrn" typeface="Estrangelo Edessa"/>
+        <a:font script="Syrj" typeface="Estrangelo Edessa"/>
+        <a:font script="Syre" typeface="Estrangelo Edessa"/>
+        <a:font script="Sora" typeface="Nirmala UI"/>
+        <a:font script="Tale" typeface="Microsoft Tai Le"/>
+        <a:font script="Talu" typeface="Microsoft New Tai Lue"/>
+        <a:font script="Tfng" typeface="Ebrima"/>
+      </a:majorFont>
+      <a:minorFont>
+        <a:latin typeface="Calibri" panose="020F0502020204030204"/>
+        <a:ea typeface=""/>
+        <a:cs typeface=""/>
+        <a:font script="Jpan" typeface="游ゴシック"/>
+        <a:font script="Hang" typeface="맑은 고딕"/>
+        <a:font script="Hans" typeface="等线"/>
+        <a:font script="Hant" typeface="新細明體"/>
+        <a:font script="Arab" typeface="Arial"/>
+        <a:font script="Hebr" typeface="Arial"/>
+        <a:font script="Thai" typeface="Cordia New"/>
+        <a:font script="Ethi" typeface="Nyala"/>
+        <a:font script="Beng" typeface="Vrinda"/>
+        <a:font script="Gujr" typeface="Shruti"/>
+        <a:font script="Khmr" typeface="DaunPenh"/>
+        <a:font script="Knda" typeface="Tunga"/>
+        <a:font script="Guru" typeface="Raavi"/>
+        <a:font script="Cans" typeface="Euphemia"/>
+        <a:font script="Cher" typeface="Plantagenet Cherokee"/>
+        <a:font script="Yiii" typeface="Microsoft Yi Baiti"/>
+        <a:font script="Tibt" typeface="Microsoft Himalaya"/>
+        <a:font script="Thaa" typeface="MV Boli"/>
+        <a:font script="Deva" typeface="Mangal"/>
+        <a:font script="Telu" typeface="Gautami"/>
+        <a:font script="Taml" typeface="Latha"/>
+        <a:font script="Syrc" typeface="Estrangelo Edessa"/>
+        <a:font script="Orya" typeface="Kalinga"/>
+        <a:font script="Mlym" typeface="Kartika"/>
+        <a:font script="Laoo" typeface="DokChampa"/>
+        <a:font script="Sinh" typeface="Iskoola Pota"/>
+        <a:font script="Mong" typeface="Mongolian Baiti"/>
+        <a:font script="Viet" typeface="Arial"/>
+        <a:font script="Uigh" typeface="Microsoft Uighur"/>
+        <a:font script="Geor" typeface="Sylfaen"/>
+        <a:font script="Armn" typeface="Arial"/>
+        <a:font script="Bugi" typeface="Leelawadee UI"/>
+        <a:font script="Bopo" typeface="Microsoft JhengHei"/>
+        <a:font script="Java" typeface="Javanese Text"/>
+        <a:font script="Lisu" typeface="Segoe UI"/>
+        <a:font script="Mymr" typeface="Myanmar Text"/>
+        <a:font script="Nkoo" typeface="Ebrima"/>
+        <a:font script="Olck" typeface="Nirmala UI"/>
+        <a:font script="Osma" typeface="Ebrima"/>
+        <a:font script="Phag" typeface="Phagspa"/>
+        <a:font script="Syrn" typeface="Estrangelo Edessa"/>
+        <a:font script="Syrj" typeface="Estrangelo Edessa"/>
+        <a:font script="Syre" typeface="Estrangelo Edessa"/>
+        <a:font script="Sora" typeface="Nirmala UI"/>
+        <a:font script="Tale" typeface="Microsoft Tai Le"/>
+        <a:font script="Talu" typeface="Microsoft New Tai Lue"/>
+        <a:font script="Tfng" typeface="Ebrima"/>
+      </a:minorFont>
+    </a:fontScheme>
+    <a:fmtScheme name="Office">
+      <a:fillStyleLst>
+        <a:solidFill>
+          <a:schemeClr val="phClr"/>
+        </a:solidFill>
+        <a:gradFill rotWithShape="1">
+          <a:gsLst>
+            <a:gs pos="0">
+              <a:schemeClr val="phClr">
+                <a:lumMod val="110000"/>
+                <a:satMod val="105000"/>
+                <a:tint val="67000"/>
+              </a:schemeClr>
+            </a:gs>
+            <a:gs pos="50000">
+              <a:schemeClr val="phClr">
+                <a:lumMod val="105000"/>
+                <a:satMod val="103000"/>
+                <a:tint val="73000"/>
+              </a:schemeClr>
+            </a:gs>
+            <a:gs pos="100000">
+              <a:schemeClr val="phClr">
+                <a:lumMod val="105000"/>
+                <a:satMod val="109000"/>
+                <a:tint val="81000"/>
+              </a:schemeClr>
+            </a:gs>
+          </a:gsLst>
+          <a:lin ang="5400000" scaled="0"/>
+        </a:gradFill>
+        <a:gradFill rotWithShape="1">
+          <a:gsLst>
+            <a:gs pos="0">
+              <a:schemeClr val="phClr">
+                <a:satMod val="103000"/>
+                <a:lumMod val="102000"/>
+                <a:tint val="94000"/>
+              </a:schemeClr>
+            </a:gs>
+            <a:gs pos="50000">
+              <a:schemeClr val="phClr">
+                <a:satMod val="110000"/>
+                <a:lumMod val="100000"/>
+                <a:shade val="100000"/>
+              </a:schemeClr>
+            </a:gs>
+            <a:gs pos="100000">
+              <a:schemeClr val="phClr">
+                <a:lumMod val="99000"/>
+                <a:satMod val="120000"/>
+                <a:shade val="78000"/>
+              </a:schemeClr>
+            </a:gs>
+          </a:gsLst>
+          <a:lin ang="5400000" scaled="0"/>
+        </a:gradFill>
+      </a:fillStyleLst>
+      <a:lnStyleLst>
+        <a:ln w="6350" cap="flat" cmpd="sng" algn="ctr">
+          <a:solidFill>
+            <a:schemeClr val="phClr"/>
+          </a:solidFill>
+          <a:prstDash val="solid"/>
+          <a:miter lim="800000"/>
+        </a:ln>
+        <a:ln w="12700" cap="flat" cmpd="sng" algn="ctr">
+          <a:solidFill>
+            <a:schemeClr val="phClr"/>
+          </a:solidFill>
+          <a:prstDash val="solid"/>
+          <a:miter lim="800000"/>
+        </a:ln>
+        <a:ln w="19050" cap="flat" cmpd="sng" algn="ctr">
+          <a:solidFill>
+            <a:schemeClr val="phClr"/>
+          </a:solidFill>
+          <a:prstDash val="solid"/>
+          <a:miter lim="800000"/>
+        </a:ln>
+      </a:lnStyleLst>
+      <a:effectStyleLst>
+        <a:effectStyle>
+          <a:effectLst/>
+        </a:effectStyle>
+        <a:effectStyle>
+          <a:effectLst/>
+        </a:effectStyle>
+        <a:effectStyle>
+          <a:effectLst>
+            <a:outerShdw blurRad="57150" dist="19050" dir="5400000" algn="ctr" rotWithShape="0">
+              <a:srgbClr val="000000">
+                <a:alpha val="63000"/>
+              </a:srgbClr>
+            </a:outerShdw>
+          </a:effectLst>
+        </a:effectStyle>
+      </a:effectStyleLst>
+      <a:bgFillStyleLst>
+        <a:solidFill>
+          <a:schemeClr val="phClr"/>
+        </a:solidFill>
+        <a:solidFill>
+          <a:schemeClr val="phClr">
+            <a:tint val="95000"/>
+            <a:satMod val="170000"/>
+          </a:schemeClr>
+        </a:solidFill>
+        <a:gradFill rotWithShape="1">
+          <a:gsLst>
+            <a:gs pos="0">
+              <a:schemeClr val="phClr">
+                <a:tint val="93000"/>
+                <a:satMod val="150000"/>
+                <a:shade val="98000"/>
+                <a:lumMod val="102000"/>
+              </a:schemeClr>
+            </a:gs>
+            <a:gs pos="50000">
+              <a:schemeClr val="phClr">
+                <a:tint val="98000"/>
+                <a:satMod val="130000"/>
+                <a:shade val="90000"/>
+                <a:lumMod val="103000"/>
+              </a:schemeClr>
+            </a:gs>
+            <a:gs pos="100000">
+              <a:schemeClr val="phClr">
+                <a:shade val="63000"/>
+                <a:satMod val="120000"/>
+              </a:schemeClr>
+            </a:gs>
+          </a:gsLst>
+          <a:lin ang="5400000" scaled="0"/>
+        </a:gradFill>
+      </a:bgFillStyleLst>
+    </a:fmtScheme>
+  </a:themeElements>
+  <a:objectDefaults/>
+  <a:extraClrSchemeLst/>
+  <a:extLst>
+    <a:ext uri="{05A4C25C-085E-4340-85A3-A5531E510DB2}">
+      <thm15:themeFamily xmlns:thm15="http://schemas.microsoft.com/office/thememl/2012/main" name="Office Theme" id="{62F939B6-93AF-4DB8-9C6B-D6C7DFDC589F}" vid="{4A3C46E8-61CC-4603-A589-7422A47A8E4A}"/>
+    </a:ext>
+  </a:extLst>
+</a:theme>
 </file>
--- a/figures/LCF_Example_Samples.pptx
+++ b/figures/LCF_Example_Samples.pptx
@@ -5,11 +5,13 @@
     <p:sldMasterId id="2147483660" r:id="rId1"/>
   </p:sldMasterIdLst>
   <p:notesMasterIdLst>
-    <p:notesMasterId r:id="rId4"/>
+    <p:notesMasterId r:id="rId6"/>
   </p:notesMasterIdLst>
   <p:sldIdLst>
     <p:sldId id="257" r:id="rId2"/>
     <p:sldId id="256" r:id="rId3"/>
+    <p:sldId id="258" r:id="rId4"/>
+    <p:sldId id="259" r:id="rId5"/>
   </p:sldIdLst>
   <p:sldSz cx="12923838" cy="6858000"/>
   <p:notesSz cx="6858000" cy="9144000"/>
@@ -198,7 +200,7 @@
           <a:p>
             <a:fld id="{1E896ED2-8098-6949-9DAF-1D26280A01D2}" type="datetimeFigureOut">
               <a:rPr lang="en-US" smtClean="0"/>
-              <a:t>2/2/24</a:t>
+              <a:t>7/8/24</a:t>
             </a:fld>
             <a:endParaRPr lang="en-US"/>
           </a:p>
@@ -596,7 +598,7 @@
           <a:p>
             <a:fld id="{1E6CC88D-5BAA-5448-A79F-9E542F5C2560}" type="datetimeFigureOut">
               <a:rPr lang="en-US" smtClean="0"/>
-              <a:t>2/2/24</a:t>
+              <a:t>7/8/24</a:t>
             </a:fld>
             <a:endParaRPr lang="en-US"/>
           </a:p>
@@ -766,7 +768,7 @@
           <a:p>
             <a:fld id="{1E6CC88D-5BAA-5448-A79F-9E542F5C2560}" type="datetimeFigureOut">
               <a:rPr lang="en-US" smtClean="0"/>
-              <a:t>2/2/24</a:t>
+              <a:t>7/8/24</a:t>
             </a:fld>
             <a:endParaRPr lang="en-US"/>
           </a:p>
@@ -946,7 +948,7 @@
           <a:p>
             <a:fld id="{1E6CC88D-5BAA-5448-A79F-9E542F5C2560}" type="datetimeFigureOut">
               <a:rPr lang="en-US" smtClean="0"/>
-              <a:t>2/2/24</a:t>
+              <a:t>7/8/24</a:t>
             </a:fld>
             <a:endParaRPr lang="en-US"/>
           </a:p>
@@ -1116,7 +1118,7 @@
           <a:p>
             <a:fld id="{1E6CC88D-5BAA-5448-A79F-9E542F5C2560}" type="datetimeFigureOut">
               <a:rPr lang="en-US" smtClean="0"/>
-              <a:t>2/2/24</a:t>
+              <a:t>7/8/24</a:t>
             </a:fld>
             <a:endParaRPr lang="en-US"/>
           </a:p>
@@ -1362,7 +1364,7 @@
           <a:p>
             <a:fld id="{1E6CC88D-5BAA-5448-A79F-9E542F5C2560}" type="datetimeFigureOut">
               <a:rPr lang="en-US" smtClean="0"/>
-              <a:t>2/2/24</a:t>
+              <a:t>7/8/24</a:t>
             </a:fld>
             <a:endParaRPr lang="en-US"/>
           </a:p>
@@ -1594,7 +1596,7 @@
           <a:p>
             <a:fld id="{1E6CC88D-5BAA-5448-A79F-9E542F5C2560}" type="datetimeFigureOut">
               <a:rPr lang="en-US" smtClean="0"/>
-              <a:t>2/2/24</a:t>
+              <a:t>7/8/24</a:t>
             </a:fld>
             <a:endParaRPr lang="en-US"/>
           </a:p>
@@ -1961,7 +1963,7 @@
           <a:p>
             <a:fld id="{1E6CC88D-5BAA-5448-A79F-9E542F5C2560}" type="datetimeFigureOut">
               <a:rPr lang="en-US" smtClean="0"/>
-              <a:t>2/2/24</a:t>
+              <a:t>7/8/24</a:t>
             </a:fld>
             <a:endParaRPr lang="en-US"/>
           </a:p>
@@ -2079,7 +2081,7 @@
           <a:p>
             <a:fld id="{1E6CC88D-5BAA-5448-A79F-9E542F5C2560}" type="datetimeFigureOut">
               <a:rPr lang="en-US" smtClean="0"/>
-              <a:t>2/2/24</a:t>
+              <a:t>7/8/24</a:t>
             </a:fld>
             <a:endParaRPr lang="en-US"/>
           </a:p>
@@ -2174,7 +2176,7 @@
           <a:p>
             <a:fld id="{1E6CC88D-5BAA-5448-A79F-9E542F5C2560}" type="datetimeFigureOut">
               <a:rPr lang="en-US" smtClean="0"/>
-              <a:t>2/2/24</a:t>
+              <a:t>7/8/24</a:t>
             </a:fld>
             <a:endParaRPr lang="en-US"/>
           </a:p>
@@ -2451,7 +2453,7 @@
           <a:p>
             <a:fld id="{1E6CC88D-5BAA-5448-A79F-9E542F5C2560}" type="datetimeFigureOut">
               <a:rPr lang="en-US" smtClean="0"/>
-              <a:t>2/2/24</a:t>
+              <a:t>7/8/24</a:t>
             </a:fld>
             <a:endParaRPr lang="en-US"/>
           </a:p>
@@ -2708,7 +2710,7 @@
           <a:p>
             <a:fld id="{1E6CC88D-5BAA-5448-A79F-9E542F5C2560}" type="datetimeFigureOut">
               <a:rPr lang="en-US" smtClean="0"/>
-              <a:t>2/2/24</a:t>
+              <a:t>7/8/24</a:t>
             </a:fld>
             <a:endParaRPr lang="en-US"/>
           </a:p>
@@ -2921,7 +2923,7 @@
           <a:p>
             <a:fld id="{1E6CC88D-5BAA-5448-A79F-9E542F5C2560}" type="datetimeFigureOut">
               <a:rPr lang="en-US" smtClean="0"/>
-              <a:t>2/2/24</a:t>
+              <a:t>7/8/24</a:t>
             </a:fld>
             <a:endParaRPr lang="en-US"/>
           </a:p>
@@ -4836,6 +4838,1809 @@
     <p:extLst>
       <p:ext uri="{BB962C8B-B14F-4D97-AF65-F5344CB8AC3E}">
         <p14:creationId xmlns:p14="http://schemas.microsoft.com/office/powerpoint/2010/main" val="1788797543"/>
+      </p:ext>
+    </p:extLst>
+  </p:cSld>
+  <p:clrMapOvr>
+    <a:masterClrMapping/>
+  </p:clrMapOvr>
+</p:sld>
+</file>
+
+<file path=ppt/slides/slide3.xml><?xml version="1.0" encoding="utf-8"?>
+<p:sld xmlns:a="http://schemas.openxmlformats.org/drawingml/2006/main" xmlns:r="http://schemas.openxmlformats.org/officeDocument/2006/relationships" xmlns:p="http://schemas.openxmlformats.org/presentationml/2006/main">
+  <p:cSld>
+    <p:spTree>
+      <p:nvGrpSpPr>
+        <p:cNvPr id="1" name=""/>
+        <p:cNvGrpSpPr/>
+        <p:nvPr/>
+      </p:nvGrpSpPr>
+      <p:grpSpPr>
+        <a:xfrm>
+          <a:off x="0" y="0"/>
+          <a:ext cx="0" cy="0"/>
+          <a:chOff x="0" y="0"/>
+          <a:chExt cx="0" cy="0"/>
+        </a:xfrm>
+      </p:grpSpPr>
+      <p:pic>
+        <p:nvPicPr>
+          <p:cNvPr id="15" name="Picture 14">
+            <a:extLst>
+              <a:ext uri="{FF2B5EF4-FFF2-40B4-BE49-F238E27FC236}">
+                <a16:creationId xmlns:a16="http://schemas.microsoft.com/office/drawing/2014/main" id="{33F61632-7E69-C07B-3FB5-F1A3C9A2116B}"/>
+              </a:ext>
+            </a:extLst>
+          </p:cNvPr>
+          <p:cNvPicPr>
+            <a:picLocks noChangeAspect="1"/>
+          </p:cNvPicPr>
+          <p:nvPr/>
+        </p:nvPicPr>
+        <p:blipFill>
+          <a:blip r:embed="rId2"/>
+          <a:stretch>
+            <a:fillRect/>
+          </a:stretch>
+        </p:blipFill>
+        <p:spPr>
+          <a:xfrm>
+            <a:off x="107963" y="0"/>
+            <a:ext cx="2286000" cy="6858000"/>
+          </a:xfrm>
+          <a:prstGeom prst="rect">
+            <a:avLst/>
+          </a:prstGeom>
+        </p:spPr>
+      </p:pic>
+      <p:pic>
+        <p:nvPicPr>
+          <p:cNvPr id="35" name="Picture 34">
+            <a:extLst>
+              <a:ext uri="{FF2B5EF4-FFF2-40B4-BE49-F238E27FC236}">
+                <a16:creationId xmlns:a16="http://schemas.microsoft.com/office/drawing/2014/main" id="{919164DD-51F6-5EE8-76B4-14064DB2F038}"/>
+              </a:ext>
+            </a:extLst>
+          </p:cNvPr>
+          <p:cNvPicPr>
+            <a:picLocks noChangeAspect="1"/>
+          </p:cNvPicPr>
+          <p:nvPr/>
+        </p:nvPicPr>
+        <p:blipFill>
+          <a:blip r:embed="rId3"/>
+          <a:stretch>
+            <a:fillRect/>
+          </a:stretch>
+        </p:blipFill>
+        <p:spPr>
+          <a:xfrm>
+            <a:off x="7606382" y="3771885"/>
+            <a:ext cx="2743200" cy="2743200"/>
+          </a:xfrm>
+          <a:prstGeom prst="rect">
+            <a:avLst/>
+          </a:prstGeom>
+        </p:spPr>
+      </p:pic>
+      <p:pic>
+        <p:nvPicPr>
+          <p:cNvPr id="33" name="Picture 32">
+            <a:extLst>
+              <a:ext uri="{FF2B5EF4-FFF2-40B4-BE49-F238E27FC236}">
+                <a16:creationId xmlns:a16="http://schemas.microsoft.com/office/drawing/2014/main" id="{EBE1F1F5-D611-6960-158B-8769668C588C}"/>
+              </a:ext>
+            </a:extLst>
+          </p:cNvPr>
+          <p:cNvPicPr>
+            <a:picLocks noChangeAspect="1"/>
+          </p:cNvPicPr>
+          <p:nvPr/>
+        </p:nvPicPr>
+        <p:blipFill>
+          <a:blip r:embed="rId4"/>
+          <a:stretch>
+            <a:fillRect/>
+          </a:stretch>
+        </p:blipFill>
+        <p:spPr>
+          <a:xfrm>
+            <a:off x="5060017" y="3771885"/>
+            <a:ext cx="2743200" cy="2743200"/>
+          </a:xfrm>
+          <a:prstGeom prst="rect">
+            <a:avLst/>
+          </a:prstGeom>
+        </p:spPr>
+      </p:pic>
+      <p:pic>
+        <p:nvPicPr>
+          <p:cNvPr id="29" name="Picture 28">
+            <a:extLst>
+              <a:ext uri="{FF2B5EF4-FFF2-40B4-BE49-F238E27FC236}">
+                <a16:creationId xmlns:a16="http://schemas.microsoft.com/office/drawing/2014/main" id="{9389B565-400A-5065-93FF-0D3523A82665}"/>
+              </a:ext>
+            </a:extLst>
+          </p:cNvPr>
+          <p:cNvPicPr>
+            <a:picLocks noChangeAspect="1"/>
+          </p:cNvPicPr>
+          <p:nvPr/>
+        </p:nvPicPr>
+        <p:blipFill>
+          <a:blip r:embed="rId5"/>
+          <a:stretch>
+            <a:fillRect/>
+          </a:stretch>
+        </p:blipFill>
+        <p:spPr>
+          <a:xfrm>
+            <a:off x="10152063" y="613527"/>
+            <a:ext cx="2743200" cy="2743200"/>
+          </a:xfrm>
+          <a:prstGeom prst="rect">
+            <a:avLst/>
+          </a:prstGeom>
+        </p:spPr>
+      </p:pic>
+      <p:pic>
+        <p:nvPicPr>
+          <p:cNvPr id="27" name="Picture 26">
+            <a:extLst>
+              <a:ext uri="{FF2B5EF4-FFF2-40B4-BE49-F238E27FC236}">
+                <a16:creationId xmlns:a16="http://schemas.microsoft.com/office/drawing/2014/main" id="{581C2E2D-19A6-F855-BD2E-2FD3D1945978}"/>
+              </a:ext>
+            </a:extLst>
+          </p:cNvPr>
+          <p:cNvPicPr>
+            <a:picLocks noChangeAspect="1"/>
+          </p:cNvPicPr>
+          <p:nvPr/>
+        </p:nvPicPr>
+        <p:blipFill>
+          <a:blip r:embed="rId6"/>
+          <a:stretch>
+            <a:fillRect/>
+          </a:stretch>
+        </p:blipFill>
+        <p:spPr>
+          <a:xfrm>
+            <a:off x="7606382" y="613527"/>
+            <a:ext cx="2743200" cy="2743200"/>
+          </a:xfrm>
+          <a:prstGeom prst="rect">
+            <a:avLst/>
+          </a:prstGeom>
+        </p:spPr>
+      </p:pic>
+      <p:pic>
+        <p:nvPicPr>
+          <p:cNvPr id="25" name="Picture 24">
+            <a:extLst>
+              <a:ext uri="{FF2B5EF4-FFF2-40B4-BE49-F238E27FC236}">
+                <a16:creationId xmlns:a16="http://schemas.microsoft.com/office/drawing/2014/main" id="{B2AE231C-9A60-EFCB-D0B8-02BF56696228}"/>
+              </a:ext>
+            </a:extLst>
+          </p:cNvPr>
+          <p:cNvPicPr>
+            <a:picLocks noChangeAspect="1"/>
+          </p:cNvPicPr>
+          <p:nvPr/>
+        </p:nvPicPr>
+        <p:blipFill>
+          <a:blip r:embed="rId7"/>
+          <a:stretch>
+            <a:fillRect/>
+          </a:stretch>
+        </p:blipFill>
+        <p:spPr>
+          <a:xfrm>
+            <a:off x="5060701" y="613527"/>
+            <a:ext cx="2743200" cy="2743200"/>
+          </a:xfrm>
+          <a:prstGeom prst="rect">
+            <a:avLst/>
+          </a:prstGeom>
+        </p:spPr>
+      </p:pic>
+      <p:pic>
+        <p:nvPicPr>
+          <p:cNvPr id="21" name="Picture 20">
+            <a:extLst>
+              <a:ext uri="{FF2B5EF4-FFF2-40B4-BE49-F238E27FC236}">
+                <a16:creationId xmlns:a16="http://schemas.microsoft.com/office/drawing/2014/main" id="{5DED3366-F20D-3D4B-A1DD-81FB6C7AB27E}"/>
+              </a:ext>
+            </a:extLst>
+          </p:cNvPr>
+          <p:cNvPicPr>
+            <a:picLocks noChangeAspect="1"/>
+          </p:cNvPicPr>
+          <p:nvPr/>
+        </p:nvPicPr>
+        <p:blipFill rotWithShape="1">
+          <a:blip r:embed="rId8"/>
+          <a:srcRect l="66345" t="11829" r="15739"/>
+          <a:stretch/>
+        </p:blipFill>
+        <p:spPr>
+          <a:xfrm>
+            <a:off x="10563411" y="3603450"/>
+            <a:ext cx="1146796" cy="2821800"/>
+          </a:xfrm>
+          <a:prstGeom prst="rect">
+            <a:avLst/>
+          </a:prstGeom>
+        </p:spPr>
+      </p:pic>
+      <p:pic>
+        <p:nvPicPr>
+          <p:cNvPr id="23" name="Picture 22">
+            <a:extLst>
+              <a:ext uri="{FF2B5EF4-FFF2-40B4-BE49-F238E27FC236}">
+                <a16:creationId xmlns:a16="http://schemas.microsoft.com/office/drawing/2014/main" id="{45DCD44D-1CEB-9288-5AC5-985D14A32340}"/>
+              </a:ext>
+            </a:extLst>
+          </p:cNvPr>
+          <p:cNvPicPr>
+            <a:picLocks noChangeAspect="1"/>
+          </p:cNvPicPr>
+          <p:nvPr/>
+        </p:nvPicPr>
+        <p:blipFill>
+          <a:blip r:embed="rId9"/>
+          <a:stretch>
+            <a:fillRect/>
+          </a:stretch>
+        </p:blipFill>
+        <p:spPr>
+          <a:xfrm>
+            <a:off x="2515020" y="613527"/>
+            <a:ext cx="2743200" cy="2743200"/>
+          </a:xfrm>
+          <a:prstGeom prst="rect">
+            <a:avLst/>
+          </a:prstGeom>
+        </p:spPr>
+      </p:pic>
+      <p:pic>
+        <p:nvPicPr>
+          <p:cNvPr id="31" name="Picture 30">
+            <a:extLst>
+              <a:ext uri="{FF2B5EF4-FFF2-40B4-BE49-F238E27FC236}">
+                <a16:creationId xmlns:a16="http://schemas.microsoft.com/office/drawing/2014/main" id="{41945E51-BA54-C66E-AAA1-27A496990EB0}"/>
+              </a:ext>
+            </a:extLst>
+          </p:cNvPr>
+          <p:cNvPicPr>
+            <a:picLocks noChangeAspect="1"/>
+          </p:cNvPicPr>
+          <p:nvPr/>
+        </p:nvPicPr>
+        <p:blipFill>
+          <a:blip r:embed="rId10"/>
+          <a:stretch>
+            <a:fillRect/>
+          </a:stretch>
+        </p:blipFill>
+        <p:spPr>
+          <a:xfrm>
+            <a:off x="2513653" y="3771885"/>
+            <a:ext cx="2743200" cy="2743200"/>
+          </a:xfrm>
+          <a:prstGeom prst="rect">
+            <a:avLst/>
+          </a:prstGeom>
+        </p:spPr>
+      </p:pic>
+      <p:sp>
+        <p:nvSpPr>
+          <p:cNvPr id="2" name="TextBox 1">
+            <a:extLst>
+              <a:ext uri="{FF2B5EF4-FFF2-40B4-BE49-F238E27FC236}">
+                <a16:creationId xmlns:a16="http://schemas.microsoft.com/office/drawing/2014/main" id="{D7AE0BDC-F3D7-F1A0-F1E1-90A3B74EAA70}"/>
+              </a:ext>
+            </a:extLst>
+          </p:cNvPr>
+          <p:cNvSpPr txBox="1"/>
+          <p:nvPr/>
+        </p:nvSpPr>
+        <p:spPr>
+          <a:xfrm>
+            <a:off x="-43966" y="114300"/>
+            <a:ext cx="423514" cy="369332"/>
+          </a:xfrm>
+          <a:prstGeom prst="rect">
+            <a:avLst/>
+          </a:prstGeom>
+          <a:noFill/>
+        </p:spPr>
+        <p:txBody>
+          <a:bodyPr wrap="none" rtlCol="0">
+            <a:spAutoFit/>
+          </a:bodyPr>
+          <a:lstStyle/>
+          <a:p>
+            <a:r>
+              <a:rPr lang="en-US" dirty="0"/>
+              <a:t>a.)</a:t>
+            </a:r>
+          </a:p>
+        </p:txBody>
+      </p:sp>
+      <p:sp>
+        <p:nvSpPr>
+          <p:cNvPr id="3" name="TextBox 2">
+            <a:extLst>
+              <a:ext uri="{FF2B5EF4-FFF2-40B4-BE49-F238E27FC236}">
+                <a16:creationId xmlns:a16="http://schemas.microsoft.com/office/drawing/2014/main" id="{8CAE08D8-0707-019B-9B70-ED9469441192}"/>
+              </a:ext>
+            </a:extLst>
+          </p:cNvPr>
+          <p:cNvSpPr txBox="1"/>
+          <p:nvPr/>
+        </p:nvSpPr>
+        <p:spPr>
+          <a:xfrm>
+            <a:off x="2049544" y="114300"/>
+            <a:ext cx="434734" cy="369332"/>
+          </a:xfrm>
+          <a:prstGeom prst="rect">
+            <a:avLst/>
+          </a:prstGeom>
+          <a:noFill/>
+        </p:spPr>
+        <p:txBody>
+          <a:bodyPr wrap="none" rtlCol="0">
+            <a:spAutoFit/>
+          </a:bodyPr>
+          <a:lstStyle/>
+          <a:p>
+            <a:r>
+              <a:rPr lang="en-US" dirty="0"/>
+              <a:t>b.)</a:t>
+            </a:r>
+          </a:p>
+        </p:txBody>
+      </p:sp>
+      <p:sp>
+        <p:nvSpPr>
+          <p:cNvPr id="4" name="TextBox 3">
+            <a:extLst>
+              <a:ext uri="{FF2B5EF4-FFF2-40B4-BE49-F238E27FC236}">
+                <a16:creationId xmlns:a16="http://schemas.microsoft.com/office/drawing/2014/main" id="{834377EC-E96A-C8D4-F405-7CF6D3001B93}"/>
+              </a:ext>
+            </a:extLst>
+          </p:cNvPr>
+          <p:cNvSpPr txBox="1"/>
+          <p:nvPr/>
+        </p:nvSpPr>
+        <p:spPr>
+          <a:xfrm rot="16200000">
+            <a:off x="1310463" y="1629963"/>
+            <a:ext cx="2018501" cy="369332"/>
+          </a:xfrm>
+          <a:prstGeom prst="rect">
+            <a:avLst/>
+          </a:prstGeom>
+          <a:noFill/>
+        </p:spPr>
+        <p:txBody>
+          <a:bodyPr wrap="none" rtlCol="0">
+            <a:spAutoFit/>
+          </a:bodyPr>
+          <a:lstStyle/>
+          <a:p>
+            <a:pPr algn="ctr"/>
+            <a:r>
+              <a:rPr lang="en-US" dirty="0">
+                <a:latin typeface="Arial" panose="020B0604020202020204" pitchFamily="34" charset="0"/>
+                <a:cs typeface="Arial" panose="020B0604020202020204" pitchFamily="34" charset="0"/>
+              </a:rPr>
+              <a:t>Douglas-fir Forest</a:t>
+            </a:r>
+          </a:p>
+        </p:txBody>
+      </p:sp>
+      <p:sp>
+        <p:nvSpPr>
+          <p:cNvPr id="5" name="TextBox 4">
+            <a:extLst>
+              <a:ext uri="{FF2B5EF4-FFF2-40B4-BE49-F238E27FC236}">
+                <a16:creationId xmlns:a16="http://schemas.microsoft.com/office/drawing/2014/main" id="{E13B3BCB-4603-69EC-51E0-F913B3E38C21}"/>
+              </a:ext>
+            </a:extLst>
+          </p:cNvPr>
+          <p:cNvSpPr txBox="1"/>
+          <p:nvPr/>
+        </p:nvSpPr>
+        <p:spPr>
+          <a:xfrm>
+            <a:off x="3306330" y="312356"/>
+            <a:ext cx="1197764" cy="584775"/>
+          </a:xfrm>
+          <a:prstGeom prst="rect">
+            <a:avLst/>
+          </a:prstGeom>
+          <a:noFill/>
+        </p:spPr>
+        <p:txBody>
+          <a:bodyPr wrap="none" rtlCol="0">
+            <a:spAutoFit/>
+          </a:bodyPr>
+          <a:lstStyle/>
+          <a:p>
+            <a:pPr algn="ctr"/>
+            <a:r>
+              <a:rPr lang="en-US" dirty="0">
+                <a:latin typeface="Arial" panose="020B0604020202020204" pitchFamily="34" charset="0"/>
+                <a:cs typeface="Arial" panose="020B0604020202020204" pitchFamily="34" charset="0"/>
+              </a:rPr>
+              <a:t>Unburned</a:t>
+            </a:r>
+          </a:p>
+          <a:p>
+            <a:pPr algn="ctr"/>
+            <a:r>
+              <a:rPr lang="en-US" sz="1400" dirty="0">
+                <a:latin typeface="Arial" panose="020B0604020202020204" pitchFamily="34" charset="0"/>
+                <a:cs typeface="Arial" panose="020B0604020202020204" pitchFamily="34" charset="0"/>
+              </a:rPr>
+              <a:t>(25</a:t>
+            </a:r>
+            <a:r>
+              <a:rPr lang="en-US" sz="1400" dirty="0">
+                <a:latin typeface="Arial" panose="020B0604020202020204" pitchFamily="34" charset="0"/>
+                <a:ea typeface="Calibri" panose="020F0502020204030204" pitchFamily="34" charset="0"/>
+                <a:cs typeface="Arial" panose="020B0604020202020204" pitchFamily="34" charset="0"/>
+              </a:rPr>
+              <a:t>)</a:t>
+            </a:r>
+            <a:endParaRPr lang="en-US" sz="1400" dirty="0">
+              <a:latin typeface="Arial" panose="020B0604020202020204" pitchFamily="34" charset="0"/>
+              <a:cs typeface="Arial" panose="020B0604020202020204" pitchFamily="34" charset="0"/>
+            </a:endParaRPr>
+          </a:p>
+        </p:txBody>
+      </p:sp>
+      <p:sp>
+        <p:nvSpPr>
+          <p:cNvPr id="6" name="TextBox 5">
+            <a:extLst>
+              <a:ext uri="{FF2B5EF4-FFF2-40B4-BE49-F238E27FC236}">
+                <a16:creationId xmlns:a16="http://schemas.microsoft.com/office/drawing/2014/main" id="{2A4D085E-DAB5-8602-9B04-166A7DA3C9C3}"/>
+              </a:ext>
+            </a:extLst>
+          </p:cNvPr>
+          <p:cNvSpPr txBox="1"/>
+          <p:nvPr/>
+        </p:nvSpPr>
+        <p:spPr>
+          <a:xfrm>
+            <a:off x="6018111" y="312356"/>
+            <a:ext cx="958917" cy="584775"/>
+          </a:xfrm>
+          <a:prstGeom prst="rect">
+            <a:avLst/>
+          </a:prstGeom>
+          <a:noFill/>
+        </p:spPr>
+        <p:txBody>
+          <a:bodyPr wrap="none" rtlCol="0">
+            <a:spAutoFit/>
+          </a:bodyPr>
+          <a:lstStyle/>
+          <a:p>
+            <a:pPr algn="ctr"/>
+            <a:r>
+              <a:rPr lang="en-US" dirty="0">
+                <a:latin typeface="Arial" panose="020B0604020202020204" pitchFamily="34" charset="0"/>
+                <a:cs typeface="Arial" panose="020B0604020202020204" pitchFamily="34" charset="0"/>
+              </a:rPr>
+              <a:t>Low</a:t>
+            </a:r>
+          </a:p>
+          <a:p>
+            <a:pPr algn="ctr"/>
+            <a:r>
+              <a:rPr lang="en-US" sz="1400" dirty="0">
+                <a:latin typeface="Arial" panose="020B0604020202020204" pitchFamily="34" charset="0"/>
+                <a:cs typeface="Arial" panose="020B0604020202020204" pitchFamily="34" charset="0"/>
+              </a:rPr>
+              <a:t>(295-627</a:t>
+            </a:r>
+            <a:r>
+              <a:rPr lang="en-US" sz="1400" dirty="0">
+                <a:latin typeface="Arial" panose="020B0604020202020204" pitchFamily="34" charset="0"/>
+                <a:ea typeface="Calibri" panose="020F0502020204030204" pitchFamily="34" charset="0"/>
+                <a:cs typeface="Arial" panose="020B0604020202020204" pitchFamily="34" charset="0"/>
+              </a:rPr>
+              <a:t>)</a:t>
+            </a:r>
+            <a:endParaRPr lang="en-US" sz="1400" dirty="0">
+              <a:latin typeface="Arial" panose="020B0604020202020204" pitchFamily="34" charset="0"/>
+              <a:cs typeface="Arial" panose="020B0604020202020204" pitchFamily="34" charset="0"/>
+            </a:endParaRPr>
+          </a:p>
+        </p:txBody>
+      </p:sp>
+      <p:sp>
+        <p:nvSpPr>
+          <p:cNvPr id="7" name="TextBox 6">
+            <a:extLst>
+              <a:ext uri="{FF2B5EF4-FFF2-40B4-BE49-F238E27FC236}">
+                <a16:creationId xmlns:a16="http://schemas.microsoft.com/office/drawing/2014/main" id="{485C82A0-38F0-E98D-3D0C-35FF882F28E8}"/>
+              </a:ext>
+            </a:extLst>
+          </p:cNvPr>
+          <p:cNvSpPr txBox="1"/>
+          <p:nvPr/>
+        </p:nvSpPr>
+        <p:spPr>
+          <a:xfrm>
+            <a:off x="8491045" y="312356"/>
+            <a:ext cx="1159292" cy="584775"/>
+          </a:xfrm>
+          <a:prstGeom prst="rect">
+            <a:avLst/>
+          </a:prstGeom>
+          <a:noFill/>
+        </p:spPr>
+        <p:txBody>
+          <a:bodyPr wrap="none" rtlCol="0">
+            <a:spAutoFit/>
+          </a:bodyPr>
+          <a:lstStyle/>
+          <a:p>
+            <a:pPr algn="ctr"/>
+            <a:r>
+              <a:rPr lang="en-US" dirty="0">
+                <a:latin typeface="Arial" panose="020B0604020202020204" pitchFamily="34" charset="0"/>
+                <a:cs typeface="Arial" panose="020B0604020202020204" pitchFamily="34" charset="0"/>
+              </a:rPr>
+              <a:t>Moderate</a:t>
+            </a:r>
+          </a:p>
+          <a:p>
+            <a:pPr algn="ctr"/>
+            <a:r>
+              <a:rPr lang="en-US" sz="1400" dirty="0">
+                <a:latin typeface="Arial" panose="020B0604020202020204" pitchFamily="34" charset="0"/>
+                <a:cs typeface="Arial" panose="020B0604020202020204" pitchFamily="34" charset="0"/>
+              </a:rPr>
+              <a:t>(589-757</a:t>
+            </a:r>
+            <a:r>
+              <a:rPr lang="en-US" sz="1400" dirty="0">
+                <a:latin typeface="Arial" panose="020B0604020202020204" pitchFamily="34" charset="0"/>
+                <a:ea typeface="Calibri" panose="020F0502020204030204" pitchFamily="34" charset="0"/>
+                <a:cs typeface="Arial" panose="020B0604020202020204" pitchFamily="34" charset="0"/>
+              </a:rPr>
+              <a:t>)</a:t>
+            </a:r>
+            <a:endParaRPr lang="en-US" sz="1400" dirty="0">
+              <a:latin typeface="Arial" panose="020B0604020202020204" pitchFamily="34" charset="0"/>
+              <a:cs typeface="Arial" panose="020B0604020202020204" pitchFamily="34" charset="0"/>
+            </a:endParaRPr>
+          </a:p>
+        </p:txBody>
+      </p:sp>
+      <p:sp>
+        <p:nvSpPr>
+          <p:cNvPr id="8" name="TextBox 7">
+            <a:extLst>
+              <a:ext uri="{FF2B5EF4-FFF2-40B4-BE49-F238E27FC236}">
+                <a16:creationId xmlns:a16="http://schemas.microsoft.com/office/drawing/2014/main" id="{2D446B02-CFC3-AB0E-9CB2-0BC73A905849}"/>
+              </a:ext>
+            </a:extLst>
+          </p:cNvPr>
+          <p:cNvSpPr txBox="1"/>
+          <p:nvPr/>
+        </p:nvSpPr>
+        <p:spPr>
+          <a:xfrm>
+            <a:off x="11164353" y="312356"/>
+            <a:ext cx="958917" cy="584775"/>
+          </a:xfrm>
+          <a:prstGeom prst="rect">
+            <a:avLst/>
+          </a:prstGeom>
+          <a:noFill/>
+        </p:spPr>
+        <p:txBody>
+          <a:bodyPr wrap="none" rtlCol="0">
+            <a:spAutoFit/>
+          </a:bodyPr>
+          <a:lstStyle/>
+          <a:p>
+            <a:pPr algn="ctr"/>
+            <a:r>
+              <a:rPr lang="en-US" dirty="0">
+                <a:latin typeface="Arial" panose="020B0604020202020204" pitchFamily="34" charset="0"/>
+                <a:cs typeface="Arial" panose="020B0604020202020204" pitchFamily="34" charset="0"/>
+              </a:rPr>
+              <a:t>High</a:t>
+            </a:r>
+          </a:p>
+          <a:p>
+            <a:pPr algn="ctr"/>
+            <a:r>
+              <a:rPr lang="en-US" sz="1400" dirty="0">
+                <a:latin typeface="Arial" panose="020B0604020202020204" pitchFamily="34" charset="0"/>
+                <a:cs typeface="Arial" panose="020B0604020202020204" pitchFamily="34" charset="0"/>
+              </a:rPr>
+              <a:t>(589-757</a:t>
+            </a:r>
+            <a:r>
+              <a:rPr lang="en-US" sz="1400" dirty="0">
+                <a:latin typeface="Arial" panose="020B0604020202020204" pitchFamily="34" charset="0"/>
+                <a:ea typeface="Calibri" panose="020F0502020204030204" pitchFamily="34" charset="0"/>
+                <a:cs typeface="Arial" panose="020B0604020202020204" pitchFamily="34" charset="0"/>
+              </a:rPr>
+              <a:t>)</a:t>
+            </a:r>
+            <a:endParaRPr lang="en-US" sz="1400" dirty="0">
+              <a:latin typeface="Arial" panose="020B0604020202020204" pitchFamily="34" charset="0"/>
+              <a:cs typeface="Arial" panose="020B0604020202020204" pitchFamily="34" charset="0"/>
+            </a:endParaRPr>
+          </a:p>
+        </p:txBody>
+      </p:sp>
+      <p:sp>
+        <p:nvSpPr>
+          <p:cNvPr id="9" name="TextBox 8">
+            <a:extLst>
+              <a:ext uri="{FF2B5EF4-FFF2-40B4-BE49-F238E27FC236}">
+                <a16:creationId xmlns:a16="http://schemas.microsoft.com/office/drawing/2014/main" id="{B315A08D-AD6A-202F-C3B6-5FECDDB7626A}"/>
+              </a:ext>
+            </a:extLst>
+          </p:cNvPr>
+          <p:cNvSpPr txBox="1"/>
+          <p:nvPr/>
+        </p:nvSpPr>
+        <p:spPr>
+          <a:xfrm rot="16200000">
+            <a:off x="1117861" y="4790500"/>
+            <a:ext cx="2416047" cy="369332"/>
+          </a:xfrm>
+          <a:prstGeom prst="rect">
+            <a:avLst/>
+          </a:prstGeom>
+          <a:noFill/>
+        </p:spPr>
+        <p:txBody>
+          <a:bodyPr wrap="none" rtlCol="0">
+            <a:spAutoFit/>
+          </a:bodyPr>
+          <a:lstStyle/>
+          <a:p>
+            <a:pPr algn="ctr"/>
+            <a:r>
+              <a:rPr lang="en-US" dirty="0">
+                <a:latin typeface="Arial" panose="020B0604020202020204" pitchFamily="34" charset="0"/>
+                <a:cs typeface="Arial" panose="020B0604020202020204" pitchFamily="34" charset="0"/>
+              </a:rPr>
+              <a:t>Sagebrush Shrubland</a:t>
+            </a:r>
+          </a:p>
+        </p:txBody>
+      </p:sp>
+      <p:sp>
+        <p:nvSpPr>
+          <p:cNvPr id="10" name="TextBox 9">
+            <a:extLst>
+              <a:ext uri="{FF2B5EF4-FFF2-40B4-BE49-F238E27FC236}">
+                <a16:creationId xmlns:a16="http://schemas.microsoft.com/office/drawing/2014/main" id="{07F05F86-C387-EAC0-2578-35C818C70A68}"/>
+              </a:ext>
+            </a:extLst>
+          </p:cNvPr>
+          <p:cNvSpPr txBox="1"/>
+          <p:nvPr/>
+        </p:nvSpPr>
+        <p:spPr>
+          <a:xfrm>
+            <a:off x="3271416" y="3470400"/>
+            <a:ext cx="1197764" cy="584775"/>
+          </a:xfrm>
+          <a:prstGeom prst="rect">
+            <a:avLst/>
+          </a:prstGeom>
+          <a:noFill/>
+        </p:spPr>
+        <p:txBody>
+          <a:bodyPr wrap="none" rtlCol="0">
+            <a:spAutoFit/>
+          </a:bodyPr>
+          <a:lstStyle/>
+          <a:p>
+            <a:pPr algn="ctr"/>
+            <a:r>
+              <a:rPr lang="en-US" dirty="0">
+                <a:latin typeface="Arial" panose="020B0604020202020204" pitchFamily="34" charset="0"/>
+                <a:cs typeface="Arial" panose="020B0604020202020204" pitchFamily="34" charset="0"/>
+              </a:rPr>
+              <a:t>Unburned</a:t>
+            </a:r>
+          </a:p>
+          <a:p>
+            <a:pPr algn="ctr"/>
+            <a:r>
+              <a:rPr lang="en-US" sz="1400" dirty="0">
+                <a:latin typeface="Arial" panose="020B0604020202020204" pitchFamily="34" charset="0"/>
+                <a:cs typeface="Arial" panose="020B0604020202020204" pitchFamily="34" charset="0"/>
+              </a:rPr>
+              <a:t>(25</a:t>
+            </a:r>
+            <a:r>
+              <a:rPr lang="en-US" sz="1400" dirty="0">
+                <a:latin typeface="Arial" panose="020B0604020202020204" pitchFamily="34" charset="0"/>
+                <a:ea typeface="Calibri" panose="020F0502020204030204" pitchFamily="34" charset="0"/>
+                <a:cs typeface="Arial" panose="020B0604020202020204" pitchFamily="34" charset="0"/>
+              </a:rPr>
+              <a:t>)</a:t>
+            </a:r>
+            <a:endParaRPr lang="en-US" sz="1400" dirty="0">
+              <a:latin typeface="Arial" panose="020B0604020202020204" pitchFamily="34" charset="0"/>
+              <a:cs typeface="Arial" panose="020B0604020202020204" pitchFamily="34" charset="0"/>
+            </a:endParaRPr>
+          </a:p>
+        </p:txBody>
+      </p:sp>
+      <p:sp>
+        <p:nvSpPr>
+          <p:cNvPr id="11" name="TextBox 10">
+            <a:extLst>
+              <a:ext uri="{FF2B5EF4-FFF2-40B4-BE49-F238E27FC236}">
+                <a16:creationId xmlns:a16="http://schemas.microsoft.com/office/drawing/2014/main" id="{9B299702-F298-77F3-0B7E-CEE60780F705}"/>
+              </a:ext>
+            </a:extLst>
+          </p:cNvPr>
+          <p:cNvSpPr txBox="1"/>
+          <p:nvPr/>
+        </p:nvSpPr>
+        <p:spPr>
+          <a:xfrm>
+            <a:off x="6077228" y="3470400"/>
+            <a:ext cx="958917" cy="584775"/>
+          </a:xfrm>
+          <a:prstGeom prst="rect">
+            <a:avLst/>
+          </a:prstGeom>
+          <a:noFill/>
+        </p:spPr>
+        <p:txBody>
+          <a:bodyPr wrap="none" rtlCol="0">
+            <a:spAutoFit/>
+          </a:bodyPr>
+          <a:lstStyle/>
+          <a:p>
+            <a:pPr algn="ctr"/>
+            <a:r>
+              <a:rPr lang="en-US" dirty="0">
+                <a:latin typeface="Arial" panose="020B0604020202020204" pitchFamily="34" charset="0"/>
+                <a:cs typeface="Arial" panose="020B0604020202020204" pitchFamily="34" charset="0"/>
+              </a:rPr>
+              <a:t>Low</a:t>
+            </a:r>
+          </a:p>
+          <a:p>
+            <a:pPr algn="ctr"/>
+            <a:r>
+              <a:rPr lang="en-US" sz="1400" dirty="0">
+                <a:latin typeface="Arial" panose="020B0604020202020204" pitchFamily="34" charset="0"/>
+                <a:cs typeface="Arial" panose="020B0604020202020204" pitchFamily="34" charset="0"/>
+              </a:rPr>
+              <a:t>(308-502</a:t>
+            </a:r>
+            <a:r>
+              <a:rPr lang="en-US" sz="1400" dirty="0">
+                <a:latin typeface="Arial" panose="020B0604020202020204" pitchFamily="34" charset="0"/>
+                <a:ea typeface="Calibri" panose="020F0502020204030204" pitchFamily="34" charset="0"/>
+                <a:cs typeface="Arial" panose="020B0604020202020204" pitchFamily="34" charset="0"/>
+              </a:rPr>
+              <a:t>)</a:t>
+            </a:r>
+            <a:endParaRPr lang="en-US" sz="1400" dirty="0">
+              <a:latin typeface="Arial" panose="020B0604020202020204" pitchFamily="34" charset="0"/>
+              <a:cs typeface="Arial" panose="020B0604020202020204" pitchFamily="34" charset="0"/>
+            </a:endParaRPr>
+          </a:p>
+        </p:txBody>
+      </p:sp>
+      <p:sp>
+        <p:nvSpPr>
+          <p:cNvPr id="12" name="TextBox 11">
+            <a:extLst>
+              <a:ext uri="{FF2B5EF4-FFF2-40B4-BE49-F238E27FC236}">
+                <a16:creationId xmlns:a16="http://schemas.microsoft.com/office/drawing/2014/main" id="{AAFAA60A-0128-0B6C-3E32-3044A8EF2C84}"/>
+              </a:ext>
+            </a:extLst>
+          </p:cNvPr>
+          <p:cNvSpPr txBox="1"/>
+          <p:nvPr/>
+        </p:nvSpPr>
+        <p:spPr>
+          <a:xfrm>
+            <a:off x="8644194" y="3470400"/>
+            <a:ext cx="1159292" cy="584775"/>
+          </a:xfrm>
+          <a:prstGeom prst="rect">
+            <a:avLst/>
+          </a:prstGeom>
+          <a:noFill/>
+        </p:spPr>
+        <p:txBody>
+          <a:bodyPr wrap="none" rtlCol="0">
+            <a:spAutoFit/>
+          </a:bodyPr>
+          <a:lstStyle/>
+          <a:p>
+            <a:pPr algn="ctr"/>
+            <a:r>
+              <a:rPr lang="en-US" dirty="0">
+                <a:latin typeface="Arial" panose="020B0604020202020204" pitchFamily="34" charset="0"/>
+                <a:cs typeface="Arial" panose="020B0604020202020204" pitchFamily="34" charset="0"/>
+              </a:rPr>
+              <a:t>Moderate</a:t>
+            </a:r>
+          </a:p>
+          <a:p>
+            <a:pPr algn="ctr"/>
+            <a:r>
+              <a:rPr lang="en-US" sz="1400" dirty="0">
+                <a:latin typeface="Arial" panose="020B0604020202020204" pitchFamily="34" charset="0"/>
+                <a:cs typeface="Arial" panose="020B0604020202020204" pitchFamily="34" charset="0"/>
+              </a:rPr>
+              <a:t>(512-547</a:t>
+            </a:r>
+            <a:r>
+              <a:rPr lang="en-US" sz="1400" dirty="0">
+                <a:latin typeface="Arial" panose="020B0604020202020204" pitchFamily="34" charset="0"/>
+                <a:ea typeface="Calibri" panose="020F0502020204030204" pitchFamily="34" charset="0"/>
+                <a:cs typeface="Arial" panose="020B0604020202020204" pitchFamily="34" charset="0"/>
+              </a:rPr>
+              <a:t>)</a:t>
+            </a:r>
+            <a:endParaRPr lang="en-US" sz="1400" dirty="0">
+              <a:latin typeface="Arial" panose="020B0604020202020204" pitchFamily="34" charset="0"/>
+              <a:cs typeface="Arial" panose="020B0604020202020204" pitchFamily="34" charset="0"/>
+            </a:endParaRPr>
+          </a:p>
+        </p:txBody>
+      </p:sp>
+    </p:spTree>
+    <p:extLst>
+      <p:ext uri="{BB962C8B-B14F-4D97-AF65-F5344CB8AC3E}">
+        <p14:creationId xmlns:p14="http://schemas.microsoft.com/office/powerpoint/2010/main" val="1894470197"/>
+      </p:ext>
+    </p:extLst>
+  </p:cSld>
+  <p:clrMapOvr>
+    <a:masterClrMapping/>
+  </p:clrMapOvr>
+</p:sld>
+</file>
+
+<file path=ppt/slides/slide4.xml><?xml version="1.0" encoding="utf-8"?>
+<p:sld xmlns:a="http://schemas.openxmlformats.org/drawingml/2006/main" xmlns:r="http://schemas.openxmlformats.org/officeDocument/2006/relationships" xmlns:p="http://schemas.openxmlformats.org/presentationml/2006/main">
+  <p:cSld>
+    <p:spTree>
+      <p:nvGrpSpPr>
+        <p:cNvPr id="1" name=""/>
+        <p:cNvGrpSpPr/>
+        <p:nvPr/>
+      </p:nvGrpSpPr>
+      <p:grpSpPr>
+        <a:xfrm>
+          <a:off x="0" y="0"/>
+          <a:ext cx="0" cy="0"/>
+          <a:chOff x="0" y="0"/>
+          <a:chExt cx="0" cy="0"/>
+        </a:xfrm>
+      </p:grpSpPr>
+      <p:pic>
+        <p:nvPicPr>
+          <p:cNvPr id="144" name="Picture 143">
+            <a:extLst>
+              <a:ext uri="{FF2B5EF4-FFF2-40B4-BE49-F238E27FC236}">
+                <a16:creationId xmlns:a16="http://schemas.microsoft.com/office/drawing/2014/main" id="{272A7A15-AEA4-70D1-9307-D3B56B009F4C}"/>
+              </a:ext>
+            </a:extLst>
+          </p:cNvPr>
+          <p:cNvPicPr>
+            <a:picLocks noChangeAspect="1"/>
+          </p:cNvPicPr>
+          <p:nvPr/>
+        </p:nvPicPr>
+        <p:blipFill>
+          <a:blip r:embed="rId2"/>
+          <a:stretch>
+            <a:fillRect/>
+          </a:stretch>
+        </p:blipFill>
+        <p:spPr>
+          <a:xfrm>
+            <a:off x="10183985" y="751966"/>
+            <a:ext cx="2743200" cy="2743200"/>
+          </a:xfrm>
+          <a:prstGeom prst="rect">
+            <a:avLst/>
+          </a:prstGeom>
+        </p:spPr>
+      </p:pic>
+      <p:sp>
+        <p:nvSpPr>
+          <p:cNvPr id="45" name="TextBox 44">
+            <a:extLst>
+              <a:ext uri="{FF2B5EF4-FFF2-40B4-BE49-F238E27FC236}">
+                <a16:creationId xmlns:a16="http://schemas.microsoft.com/office/drawing/2014/main" id="{29E3C752-BCB7-D5B3-0EE5-23C9EA34FDF7}"/>
+              </a:ext>
+            </a:extLst>
+          </p:cNvPr>
+          <p:cNvSpPr txBox="1"/>
+          <p:nvPr/>
+        </p:nvSpPr>
+        <p:spPr>
+          <a:xfrm>
+            <a:off x="-5866" y="114300"/>
+            <a:ext cx="423514" cy="369332"/>
+          </a:xfrm>
+          <a:prstGeom prst="rect">
+            <a:avLst/>
+          </a:prstGeom>
+          <a:noFill/>
+        </p:spPr>
+        <p:txBody>
+          <a:bodyPr wrap="none" rtlCol="0">
+            <a:spAutoFit/>
+          </a:bodyPr>
+          <a:lstStyle/>
+          <a:p>
+            <a:r>
+              <a:rPr lang="en-US" dirty="0"/>
+              <a:t>a.)</a:t>
+            </a:r>
+          </a:p>
+        </p:txBody>
+      </p:sp>
+      <p:sp>
+        <p:nvSpPr>
+          <p:cNvPr id="46" name="TextBox 45">
+            <a:extLst>
+              <a:ext uri="{FF2B5EF4-FFF2-40B4-BE49-F238E27FC236}">
+                <a16:creationId xmlns:a16="http://schemas.microsoft.com/office/drawing/2014/main" id="{C04835C4-5121-FD3B-76AB-2B09918AE9D3}"/>
+              </a:ext>
+            </a:extLst>
+          </p:cNvPr>
+          <p:cNvSpPr txBox="1"/>
+          <p:nvPr/>
+        </p:nvSpPr>
+        <p:spPr>
+          <a:xfrm>
+            <a:off x="2519444" y="114300"/>
+            <a:ext cx="434734" cy="369332"/>
+          </a:xfrm>
+          <a:prstGeom prst="rect">
+            <a:avLst/>
+          </a:prstGeom>
+          <a:noFill/>
+        </p:spPr>
+        <p:txBody>
+          <a:bodyPr wrap="none" rtlCol="0">
+            <a:spAutoFit/>
+          </a:bodyPr>
+          <a:lstStyle/>
+          <a:p>
+            <a:r>
+              <a:rPr lang="en-US" dirty="0"/>
+              <a:t>b.)</a:t>
+            </a:r>
+          </a:p>
+        </p:txBody>
+      </p:sp>
+      <p:pic>
+        <p:nvPicPr>
+          <p:cNvPr id="130" name="Picture 129">
+            <a:extLst>
+              <a:ext uri="{FF2B5EF4-FFF2-40B4-BE49-F238E27FC236}">
+                <a16:creationId xmlns:a16="http://schemas.microsoft.com/office/drawing/2014/main" id="{C68D6C87-3898-8EDF-C50F-E90E6558321E}"/>
+              </a:ext>
+            </a:extLst>
+          </p:cNvPr>
+          <p:cNvPicPr>
+            <a:picLocks noChangeAspect="1"/>
+          </p:cNvPicPr>
+          <p:nvPr/>
+        </p:nvPicPr>
+        <p:blipFill>
+          <a:blip r:embed="rId3"/>
+          <a:stretch>
+            <a:fillRect/>
+          </a:stretch>
+        </p:blipFill>
+        <p:spPr>
+          <a:xfrm>
+            <a:off x="7679209" y="4055175"/>
+            <a:ext cx="2743200" cy="2743200"/>
+          </a:xfrm>
+          <a:prstGeom prst="rect">
+            <a:avLst/>
+          </a:prstGeom>
+        </p:spPr>
+      </p:pic>
+      <p:pic>
+        <p:nvPicPr>
+          <p:cNvPr id="132" name="Picture 131">
+            <a:extLst>
+              <a:ext uri="{FF2B5EF4-FFF2-40B4-BE49-F238E27FC236}">
+                <a16:creationId xmlns:a16="http://schemas.microsoft.com/office/drawing/2014/main" id="{7021E871-15CA-96A1-A0A4-A23A1761BE84}"/>
+              </a:ext>
+            </a:extLst>
+          </p:cNvPr>
+          <p:cNvPicPr>
+            <a:picLocks noChangeAspect="1"/>
+          </p:cNvPicPr>
+          <p:nvPr/>
+        </p:nvPicPr>
+        <p:blipFill>
+          <a:blip r:embed="rId4"/>
+          <a:stretch>
+            <a:fillRect/>
+          </a:stretch>
+        </p:blipFill>
+        <p:spPr>
+          <a:xfrm>
+            <a:off x="5177781" y="4055175"/>
+            <a:ext cx="2743200" cy="2743200"/>
+          </a:xfrm>
+          <a:prstGeom prst="rect">
+            <a:avLst/>
+          </a:prstGeom>
+        </p:spPr>
+      </p:pic>
+      <p:pic>
+        <p:nvPicPr>
+          <p:cNvPr id="134" name="Picture 133">
+            <a:extLst>
+              <a:ext uri="{FF2B5EF4-FFF2-40B4-BE49-F238E27FC236}">
+                <a16:creationId xmlns:a16="http://schemas.microsoft.com/office/drawing/2014/main" id="{577E2ED1-90F5-AA46-EAE9-B21C3DE71F14}"/>
+              </a:ext>
+            </a:extLst>
+          </p:cNvPr>
+          <p:cNvPicPr>
+            <a:picLocks noChangeAspect="1"/>
+          </p:cNvPicPr>
+          <p:nvPr/>
+        </p:nvPicPr>
+        <p:blipFill>
+          <a:blip r:embed="rId5"/>
+          <a:stretch>
+            <a:fillRect/>
+          </a:stretch>
+        </p:blipFill>
+        <p:spPr>
+          <a:xfrm>
+            <a:off x="2676353" y="4055175"/>
+            <a:ext cx="2743200" cy="2743200"/>
+          </a:xfrm>
+          <a:prstGeom prst="rect">
+            <a:avLst/>
+          </a:prstGeom>
+        </p:spPr>
+      </p:pic>
+      <p:pic>
+        <p:nvPicPr>
+          <p:cNvPr id="138" name="Picture 137">
+            <a:extLst>
+              <a:ext uri="{FF2B5EF4-FFF2-40B4-BE49-F238E27FC236}">
+                <a16:creationId xmlns:a16="http://schemas.microsoft.com/office/drawing/2014/main" id="{E3088CE0-DA41-463D-88F7-F3EFCC26F605}"/>
+              </a:ext>
+            </a:extLst>
+          </p:cNvPr>
+          <p:cNvPicPr>
+            <a:picLocks noChangeAspect="1"/>
+          </p:cNvPicPr>
+          <p:nvPr/>
+        </p:nvPicPr>
+        <p:blipFill>
+          <a:blip r:embed="rId6"/>
+          <a:stretch>
+            <a:fillRect/>
+          </a:stretch>
+        </p:blipFill>
+        <p:spPr>
+          <a:xfrm>
+            <a:off x="7679209" y="751966"/>
+            <a:ext cx="2743200" cy="2743200"/>
+          </a:xfrm>
+          <a:prstGeom prst="rect">
+            <a:avLst/>
+          </a:prstGeom>
+        </p:spPr>
+      </p:pic>
+      <p:pic>
+        <p:nvPicPr>
+          <p:cNvPr id="140" name="Picture 139">
+            <a:extLst>
+              <a:ext uri="{FF2B5EF4-FFF2-40B4-BE49-F238E27FC236}">
+                <a16:creationId xmlns:a16="http://schemas.microsoft.com/office/drawing/2014/main" id="{59A87F55-DA29-4678-DFC7-951D001E1D69}"/>
+              </a:ext>
+            </a:extLst>
+          </p:cNvPr>
+          <p:cNvPicPr>
+            <a:picLocks noChangeAspect="1"/>
+          </p:cNvPicPr>
+          <p:nvPr/>
+        </p:nvPicPr>
+        <p:blipFill>
+          <a:blip r:embed="rId7"/>
+          <a:stretch>
+            <a:fillRect/>
+          </a:stretch>
+        </p:blipFill>
+        <p:spPr>
+          <a:xfrm>
+            <a:off x="5177781" y="751966"/>
+            <a:ext cx="2743200" cy="2743200"/>
+          </a:xfrm>
+          <a:prstGeom prst="rect">
+            <a:avLst/>
+          </a:prstGeom>
+        </p:spPr>
+      </p:pic>
+      <p:pic>
+        <p:nvPicPr>
+          <p:cNvPr id="142" name="Picture 141">
+            <a:extLst>
+              <a:ext uri="{FF2B5EF4-FFF2-40B4-BE49-F238E27FC236}">
+                <a16:creationId xmlns:a16="http://schemas.microsoft.com/office/drawing/2014/main" id="{82659834-EED2-F063-EF08-88221931F554}"/>
+              </a:ext>
+            </a:extLst>
+          </p:cNvPr>
+          <p:cNvPicPr>
+            <a:picLocks noChangeAspect="1"/>
+          </p:cNvPicPr>
+          <p:nvPr/>
+        </p:nvPicPr>
+        <p:blipFill>
+          <a:blip r:embed="rId8"/>
+          <a:stretch>
+            <a:fillRect/>
+          </a:stretch>
+        </p:blipFill>
+        <p:spPr>
+          <a:xfrm>
+            <a:off x="2676353" y="751966"/>
+            <a:ext cx="2743200" cy="2743200"/>
+          </a:xfrm>
+          <a:prstGeom prst="rect">
+            <a:avLst/>
+          </a:prstGeom>
+        </p:spPr>
+      </p:pic>
+      <p:sp>
+        <p:nvSpPr>
+          <p:cNvPr id="47" name="TextBox 46">
+            <a:extLst>
+              <a:ext uri="{FF2B5EF4-FFF2-40B4-BE49-F238E27FC236}">
+                <a16:creationId xmlns:a16="http://schemas.microsoft.com/office/drawing/2014/main" id="{10D59F38-DC55-5822-94F6-42AA803D58FB}"/>
+              </a:ext>
+            </a:extLst>
+          </p:cNvPr>
+          <p:cNvSpPr txBox="1"/>
+          <p:nvPr/>
+        </p:nvSpPr>
+        <p:spPr>
+          <a:xfrm>
+            <a:off x="3548574" y="325971"/>
+            <a:ext cx="1197764" cy="584775"/>
+          </a:xfrm>
+          <a:prstGeom prst="rect">
+            <a:avLst/>
+          </a:prstGeom>
+          <a:noFill/>
+        </p:spPr>
+        <p:txBody>
+          <a:bodyPr wrap="none" rtlCol="0">
+            <a:spAutoFit/>
+          </a:bodyPr>
+          <a:lstStyle/>
+          <a:p>
+            <a:pPr algn="ctr"/>
+            <a:r>
+              <a:rPr lang="en-US" dirty="0">
+                <a:latin typeface="Arial" panose="020B0604020202020204" pitchFamily="34" charset="0"/>
+                <a:cs typeface="Arial" panose="020B0604020202020204" pitchFamily="34" charset="0"/>
+              </a:rPr>
+              <a:t>Unburned</a:t>
+            </a:r>
+          </a:p>
+          <a:p>
+            <a:pPr algn="ctr"/>
+            <a:r>
+              <a:rPr lang="en-US" sz="1400" dirty="0">
+                <a:latin typeface="Arial" panose="020B0604020202020204" pitchFamily="34" charset="0"/>
+                <a:cs typeface="Arial" panose="020B0604020202020204" pitchFamily="34" charset="0"/>
+              </a:rPr>
+              <a:t>(25 </a:t>
+            </a:r>
+            <a:r>
+              <a:rPr lang="en-US" sz="1400" kern="0" dirty="0">
+                <a:solidFill>
+                  <a:srgbClr val="000000"/>
+                </a:solidFill>
+                <a:effectLst/>
+                <a:latin typeface="Arial" panose="020B0604020202020204" pitchFamily="34" charset="0"/>
+                <a:ea typeface="Times New Roman" panose="02020603050405020304" pitchFamily="18" charset="0"/>
+                <a:cs typeface="Arial" panose="020B0604020202020204" pitchFamily="34" charset="0"/>
+              </a:rPr>
+              <a:t>°C</a:t>
+            </a:r>
+            <a:r>
+              <a:rPr lang="en-US" sz="1400" dirty="0">
+                <a:latin typeface="Arial" panose="020B0604020202020204" pitchFamily="34" charset="0"/>
+                <a:ea typeface="Calibri" panose="020F0502020204030204" pitchFamily="34" charset="0"/>
+                <a:cs typeface="Arial" panose="020B0604020202020204" pitchFamily="34" charset="0"/>
+              </a:rPr>
+              <a:t>)</a:t>
+            </a:r>
+            <a:endParaRPr lang="en-US" sz="1400" dirty="0">
+              <a:latin typeface="Arial" panose="020B0604020202020204" pitchFamily="34" charset="0"/>
+              <a:cs typeface="Arial" panose="020B0604020202020204" pitchFamily="34" charset="0"/>
+            </a:endParaRPr>
+          </a:p>
+        </p:txBody>
+      </p:sp>
+      <p:sp>
+        <p:nvSpPr>
+          <p:cNvPr id="48" name="TextBox 47">
+            <a:extLst>
+              <a:ext uri="{FF2B5EF4-FFF2-40B4-BE49-F238E27FC236}">
+                <a16:creationId xmlns:a16="http://schemas.microsoft.com/office/drawing/2014/main" id="{B44CACAF-E2A9-31F7-90C0-187AE84182BC}"/>
+              </a:ext>
+            </a:extLst>
+          </p:cNvPr>
+          <p:cNvSpPr txBox="1"/>
+          <p:nvPr/>
+        </p:nvSpPr>
+        <p:spPr>
+          <a:xfrm>
+            <a:off x="6014876" y="325971"/>
+            <a:ext cx="1210588" cy="584775"/>
+          </a:xfrm>
+          <a:prstGeom prst="rect">
+            <a:avLst/>
+          </a:prstGeom>
+          <a:noFill/>
+        </p:spPr>
+        <p:txBody>
+          <a:bodyPr wrap="none" rtlCol="0">
+            <a:spAutoFit/>
+          </a:bodyPr>
+          <a:lstStyle/>
+          <a:p>
+            <a:pPr algn="ctr"/>
+            <a:r>
+              <a:rPr lang="en-US" dirty="0">
+                <a:latin typeface="Arial" panose="020B0604020202020204" pitchFamily="34" charset="0"/>
+                <a:cs typeface="Arial" panose="020B0604020202020204" pitchFamily="34" charset="0"/>
+              </a:rPr>
+              <a:t>Low</a:t>
+            </a:r>
+          </a:p>
+          <a:p>
+            <a:pPr algn="ctr"/>
+            <a:r>
+              <a:rPr lang="en-US" sz="1400" dirty="0">
+                <a:latin typeface="Arial" panose="020B0604020202020204" pitchFamily="34" charset="0"/>
+                <a:cs typeface="Arial" panose="020B0604020202020204" pitchFamily="34" charset="0"/>
+              </a:rPr>
+              <a:t>(295-627</a:t>
+            </a:r>
+            <a:r>
+              <a:rPr lang="en-US" sz="1400" kern="0" dirty="0">
+                <a:solidFill>
+                  <a:srgbClr val="000000"/>
+                </a:solidFill>
+                <a:effectLst/>
+                <a:latin typeface="Arial" panose="020B0604020202020204" pitchFamily="34" charset="0"/>
+                <a:ea typeface="Times New Roman" panose="02020603050405020304" pitchFamily="18" charset="0"/>
+                <a:cs typeface="Arial" panose="020B0604020202020204" pitchFamily="34" charset="0"/>
+              </a:rPr>
+              <a:t> °C</a:t>
+            </a:r>
+            <a:r>
+              <a:rPr lang="en-US" sz="1400" dirty="0">
+                <a:latin typeface="Arial" panose="020B0604020202020204" pitchFamily="34" charset="0"/>
+                <a:ea typeface="Calibri" panose="020F0502020204030204" pitchFamily="34" charset="0"/>
+                <a:cs typeface="Arial" panose="020B0604020202020204" pitchFamily="34" charset="0"/>
+              </a:rPr>
+              <a:t>)</a:t>
+            </a:r>
+            <a:endParaRPr lang="en-US" sz="1400" dirty="0">
+              <a:latin typeface="Arial" panose="020B0604020202020204" pitchFamily="34" charset="0"/>
+              <a:cs typeface="Arial" panose="020B0604020202020204" pitchFamily="34" charset="0"/>
+            </a:endParaRPr>
+          </a:p>
+        </p:txBody>
+      </p:sp>
+      <p:sp>
+        <p:nvSpPr>
+          <p:cNvPr id="49" name="TextBox 48">
+            <a:extLst>
+              <a:ext uri="{FF2B5EF4-FFF2-40B4-BE49-F238E27FC236}">
+                <a16:creationId xmlns:a16="http://schemas.microsoft.com/office/drawing/2014/main" id="{7B183092-7C84-1F4A-8B8B-EA57244490BB}"/>
+              </a:ext>
+            </a:extLst>
+          </p:cNvPr>
+          <p:cNvSpPr txBox="1"/>
+          <p:nvPr/>
+        </p:nvSpPr>
+        <p:spPr>
+          <a:xfrm>
+            <a:off x="8571146" y="325971"/>
+            <a:ext cx="1210588" cy="584775"/>
+          </a:xfrm>
+          <a:prstGeom prst="rect">
+            <a:avLst/>
+          </a:prstGeom>
+          <a:noFill/>
+        </p:spPr>
+        <p:txBody>
+          <a:bodyPr wrap="none" rtlCol="0">
+            <a:spAutoFit/>
+          </a:bodyPr>
+          <a:lstStyle/>
+          <a:p>
+            <a:pPr algn="ctr"/>
+            <a:r>
+              <a:rPr lang="en-US" dirty="0">
+                <a:latin typeface="Arial" panose="020B0604020202020204" pitchFamily="34" charset="0"/>
+                <a:cs typeface="Arial" panose="020B0604020202020204" pitchFamily="34" charset="0"/>
+              </a:rPr>
+              <a:t>Moderate</a:t>
+            </a:r>
+          </a:p>
+          <a:p>
+            <a:pPr algn="ctr"/>
+            <a:r>
+              <a:rPr lang="en-US" sz="1400" dirty="0">
+                <a:latin typeface="Arial" panose="020B0604020202020204" pitchFamily="34" charset="0"/>
+                <a:cs typeface="Arial" panose="020B0604020202020204" pitchFamily="34" charset="0"/>
+              </a:rPr>
+              <a:t>(589-757</a:t>
+            </a:r>
+            <a:r>
+              <a:rPr lang="en-US" sz="1400" kern="0" dirty="0">
+                <a:solidFill>
+                  <a:srgbClr val="000000"/>
+                </a:solidFill>
+                <a:effectLst/>
+                <a:latin typeface="Arial" panose="020B0604020202020204" pitchFamily="34" charset="0"/>
+                <a:ea typeface="Times New Roman" panose="02020603050405020304" pitchFamily="18" charset="0"/>
+                <a:cs typeface="Arial" panose="020B0604020202020204" pitchFamily="34" charset="0"/>
+              </a:rPr>
+              <a:t> °C</a:t>
+            </a:r>
+            <a:r>
+              <a:rPr lang="en-US" sz="1400" dirty="0">
+                <a:latin typeface="Arial" panose="020B0604020202020204" pitchFamily="34" charset="0"/>
+                <a:ea typeface="Calibri" panose="020F0502020204030204" pitchFamily="34" charset="0"/>
+                <a:cs typeface="Arial" panose="020B0604020202020204" pitchFamily="34" charset="0"/>
+              </a:rPr>
+              <a:t>)</a:t>
+            </a:r>
+            <a:endParaRPr lang="en-US" sz="1400" dirty="0">
+              <a:latin typeface="Arial" panose="020B0604020202020204" pitchFamily="34" charset="0"/>
+              <a:cs typeface="Arial" panose="020B0604020202020204" pitchFamily="34" charset="0"/>
+            </a:endParaRPr>
+          </a:p>
+        </p:txBody>
+      </p:sp>
+      <p:sp>
+        <p:nvSpPr>
+          <p:cNvPr id="50" name="TextBox 49">
+            <a:extLst>
+              <a:ext uri="{FF2B5EF4-FFF2-40B4-BE49-F238E27FC236}">
+                <a16:creationId xmlns:a16="http://schemas.microsoft.com/office/drawing/2014/main" id="{BFF21224-A116-E66B-A926-896C6AE1D323}"/>
+              </a:ext>
+            </a:extLst>
+          </p:cNvPr>
+          <p:cNvSpPr txBox="1"/>
+          <p:nvPr/>
+        </p:nvSpPr>
+        <p:spPr>
+          <a:xfrm>
+            <a:off x="11127417" y="325971"/>
+            <a:ext cx="1210588" cy="584775"/>
+          </a:xfrm>
+          <a:prstGeom prst="rect">
+            <a:avLst/>
+          </a:prstGeom>
+          <a:noFill/>
+        </p:spPr>
+        <p:txBody>
+          <a:bodyPr wrap="none" rtlCol="0">
+            <a:spAutoFit/>
+          </a:bodyPr>
+          <a:lstStyle/>
+          <a:p>
+            <a:pPr algn="ctr"/>
+            <a:r>
+              <a:rPr lang="en-US" dirty="0">
+                <a:latin typeface="Arial" panose="020B0604020202020204" pitchFamily="34" charset="0"/>
+                <a:cs typeface="Arial" panose="020B0604020202020204" pitchFamily="34" charset="0"/>
+              </a:rPr>
+              <a:t>High</a:t>
+            </a:r>
+          </a:p>
+          <a:p>
+            <a:pPr algn="ctr"/>
+            <a:r>
+              <a:rPr lang="en-US" sz="1400" dirty="0">
+                <a:latin typeface="Arial" panose="020B0604020202020204" pitchFamily="34" charset="0"/>
+                <a:cs typeface="Arial" panose="020B0604020202020204" pitchFamily="34" charset="0"/>
+              </a:rPr>
+              <a:t>(589-757</a:t>
+            </a:r>
+            <a:r>
+              <a:rPr lang="en-US" sz="1400" kern="0" dirty="0">
+                <a:solidFill>
+                  <a:srgbClr val="000000"/>
+                </a:solidFill>
+                <a:effectLst/>
+                <a:latin typeface="Arial" panose="020B0604020202020204" pitchFamily="34" charset="0"/>
+                <a:ea typeface="Times New Roman" panose="02020603050405020304" pitchFamily="18" charset="0"/>
+                <a:cs typeface="Arial" panose="020B0604020202020204" pitchFamily="34" charset="0"/>
+              </a:rPr>
+              <a:t> °C</a:t>
+            </a:r>
+            <a:r>
+              <a:rPr lang="en-US" sz="1400" dirty="0">
+                <a:latin typeface="Arial" panose="020B0604020202020204" pitchFamily="34" charset="0"/>
+                <a:ea typeface="Calibri" panose="020F0502020204030204" pitchFamily="34" charset="0"/>
+                <a:cs typeface="Arial" panose="020B0604020202020204" pitchFamily="34" charset="0"/>
+              </a:rPr>
+              <a:t>)</a:t>
+            </a:r>
+            <a:endParaRPr lang="en-US" sz="1400" dirty="0">
+              <a:latin typeface="Arial" panose="020B0604020202020204" pitchFamily="34" charset="0"/>
+              <a:cs typeface="Arial" panose="020B0604020202020204" pitchFamily="34" charset="0"/>
+            </a:endParaRPr>
+          </a:p>
+        </p:txBody>
+      </p:sp>
+      <p:sp>
+        <p:nvSpPr>
+          <p:cNvPr id="51" name="TextBox 50">
+            <a:extLst>
+              <a:ext uri="{FF2B5EF4-FFF2-40B4-BE49-F238E27FC236}">
+                <a16:creationId xmlns:a16="http://schemas.microsoft.com/office/drawing/2014/main" id="{8FAAAA2F-F7CE-BE2E-8EEF-0FBEE5C034AA}"/>
+              </a:ext>
+            </a:extLst>
+          </p:cNvPr>
+          <p:cNvSpPr txBox="1"/>
+          <p:nvPr/>
+        </p:nvSpPr>
+        <p:spPr>
+          <a:xfrm>
+            <a:off x="3548574" y="3635500"/>
+            <a:ext cx="1197764" cy="584775"/>
+          </a:xfrm>
+          <a:prstGeom prst="rect">
+            <a:avLst/>
+          </a:prstGeom>
+          <a:noFill/>
+        </p:spPr>
+        <p:txBody>
+          <a:bodyPr wrap="none" rtlCol="0">
+            <a:spAutoFit/>
+          </a:bodyPr>
+          <a:lstStyle/>
+          <a:p>
+            <a:pPr algn="ctr"/>
+            <a:r>
+              <a:rPr lang="en-US" dirty="0">
+                <a:latin typeface="Arial" panose="020B0604020202020204" pitchFamily="34" charset="0"/>
+                <a:cs typeface="Arial" panose="020B0604020202020204" pitchFamily="34" charset="0"/>
+              </a:rPr>
+              <a:t>Unburned</a:t>
+            </a:r>
+          </a:p>
+          <a:p>
+            <a:pPr algn="ctr"/>
+            <a:r>
+              <a:rPr lang="en-US" sz="1400" dirty="0">
+                <a:latin typeface="Arial" panose="020B0604020202020204" pitchFamily="34" charset="0"/>
+                <a:cs typeface="Arial" panose="020B0604020202020204" pitchFamily="34" charset="0"/>
+              </a:rPr>
+              <a:t>(25</a:t>
+            </a:r>
+            <a:r>
+              <a:rPr lang="en-US" sz="1400" kern="0" dirty="0">
+                <a:solidFill>
+                  <a:srgbClr val="000000"/>
+                </a:solidFill>
+                <a:effectLst/>
+                <a:latin typeface="Arial" panose="020B0604020202020204" pitchFamily="34" charset="0"/>
+                <a:ea typeface="Times New Roman" panose="02020603050405020304" pitchFamily="18" charset="0"/>
+                <a:cs typeface="Arial" panose="020B0604020202020204" pitchFamily="34" charset="0"/>
+              </a:rPr>
+              <a:t> °C</a:t>
+            </a:r>
+            <a:r>
+              <a:rPr lang="en-US" sz="1400" dirty="0">
+                <a:latin typeface="Arial" panose="020B0604020202020204" pitchFamily="34" charset="0"/>
+                <a:ea typeface="Calibri" panose="020F0502020204030204" pitchFamily="34" charset="0"/>
+                <a:cs typeface="Arial" panose="020B0604020202020204" pitchFamily="34" charset="0"/>
+              </a:rPr>
+              <a:t>)</a:t>
+            </a:r>
+            <a:endParaRPr lang="en-US" sz="1400" dirty="0">
+              <a:latin typeface="Arial" panose="020B0604020202020204" pitchFamily="34" charset="0"/>
+              <a:cs typeface="Arial" panose="020B0604020202020204" pitchFamily="34" charset="0"/>
+            </a:endParaRPr>
+          </a:p>
+        </p:txBody>
+      </p:sp>
+      <p:sp>
+        <p:nvSpPr>
+          <p:cNvPr id="52" name="TextBox 51">
+            <a:extLst>
+              <a:ext uri="{FF2B5EF4-FFF2-40B4-BE49-F238E27FC236}">
+                <a16:creationId xmlns:a16="http://schemas.microsoft.com/office/drawing/2014/main" id="{0611B50C-D54B-D016-4DC2-651BE2A518ED}"/>
+              </a:ext>
+            </a:extLst>
+          </p:cNvPr>
+          <p:cNvSpPr txBox="1"/>
+          <p:nvPr/>
+        </p:nvSpPr>
+        <p:spPr>
+          <a:xfrm>
+            <a:off x="6014876" y="3635500"/>
+            <a:ext cx="1210588" cy="584775"/>
+          </a:xfrm>
+          <a:prstGeom prst="rect">
+            <a:avLst/>
+          </a:prstGeom>
+          <a:noFill/>
+        </p:spPr>
+        <p:txBody>
+          <a:bodyPr wrap="none" rtlCol="0">
+            <a:spAutoFit/>
+          </a:bodyPr>
+          <a:lstStyle/>
+          <a:p>
+            <a:pPr algn="ctr"/>
+            <a:r>
+              <a:rPr lang="en-US" dirty="0">
+                <a:latin typeface="Arial" panose="020B0604020202020204" pitchFamily="34" charset="0"/>
+                <a:cs typeface="Arial" panose="020B0604020202020204" pitchFamily="34" charset="0"/>
+              </a:rPr>
+              <a:t>Low</a:t>
+            </a:r>
+          </a:p>
+          <a:p>
+            <a:pPr algn="ctr"/>
+            <a:r>
+              <a:rPr lang="en-US" sz="1400" dirty="0">
+                <a:latin typeface="Arial" panose="020B0604020202020204" pitchFamily="34" charset="0"/>
+                <a:cs typeface="Arial" panose="020B0604020202020204" pitchFamily="34" charset="0"/>
+              </a:rPr>
+              <a:t>(308-502</a:t>
+            </a:r>
+            <a:r>
+              <a:rPr lang="en-US" sz="1400" kern="0" dirty="0">
+                <a:solidFill>
+                  <a:srgbClr val="000000"/>
+                </a:solidFill>
+                <a:effectLst/>
+                <a:latin typeface="Arial" panose="020B0604020202020204" pitchFamily="34" charset="0"/>
+                <a:ea typeface="Times New Roman" panose="02020603050405020304" pitchFamily="18" charset="0"/>
+                <a:cs typeface="Arial" panose="020B0604020202020204" pitchFamily="34" charset="0"/>
+              </a:rPr>
+              <a:t> °C</a:t>
+            </a:r>
+            <a:r>
+              <a:rPr lang="en-US" sz="1400" dirty="0">
+                <a:latin typeface="Arial" panose="020B0604020202020204" pitchFamily="34" charset="0"/>
+                <a:ea typeface="Calibri" panose="020F0502020204030204" pitchFamily="34" charset="0"/>
+                <a:cs typeface="Arial" panose="020B0604020202020204" pitchFamily="34" charset="0"/>
+              </a:rPr>
+              <a:t>)</a:t>
+            </a:r>
+            <a:endParaRPr lang="en-US" sz="1400" dirty="0">
+              <a:latin typeface="Arial" panose="020B0604020202020204" pitchFamily="34" charset="0"/>
+              <a:cs typeface="Arial" panose="020B0604020202020204" pitchFamily="34" charset="0"/>
+            </a:endParaRPr>
+          </a:p>
+        </p:txBody>
+      </p:sp>
+      <p:sp>
+        <p:nvSpPr>
+          <p:cNvPr id="53" name="TextBox 52">
+            <a:extLst>
+              <a:ext uri="{FF2B5EF4-FFF2-40B4-BE49-F238E27FC236}">
+                <a16:creationId xmlns:a16="http://schemas.microsoft.com/office/drawing/2014/main" id="{C9A7D14A-2697-B585-39A7-36D333A6A07A}"/>
+              </a:ext>
+            </a:extLst>
+          </p:cNvPr>
+          <p:cNvSpPr txBox="1"/>
+          <p:nvPr/>
+        </p:nvSpPr>
+        <p:spPr>
+          <a:xfrm>
+            <a:off x="8571146" y="3635500"/>
+            <a:ext cx="1210588" cy="584775"/>
+          </a:xfrm>
+          <a:prstGeom prst="rect">
+            <a:avLst/>
+          </a:prstGeom>
+          <a:noFill/>
+        </p:spPr>
+        <p:txBody>
+          <a:bodyPr wrap="none" rtlCol="0">
+            <a:spAutoFit/>
+          </a:bodyPr>
+          <a:lstStyle/>
+          <a:p>
+            <a:pPr algn="ctr"/>
+            <a:r>
+              <a:rPr lang="en-US" dirty="0">
+                <a:latin typeface="Arial" panose="020B0604020202020204" pitchFamily="34" charset="0"/>
+                <a:cs typeface="Arial" panose="020B0604020202020204" pitchFamily="34" charset="0"/>
+              </a:rPr>
+              <a:t>Moderate</a:t>
+            </a:r>
+          </a:p>
+          <a:p>
+            <a:pPr algn="ctr"/>
+            <a:r>
+              <a:rPr lang="en-US" sz="1400" dirty="0">
+                <a:latin typeface="Arial" panose="020B0604020202020204" pitchFamily="34" charset="0"/>
+                <a:cs typeface="Arial" panose="020B0604020202020204" pitchFamily="34" charset="0"/>
+              </a:rPr>
+              <a:t>(512-547</a:t>
+            </a:r>
+            <a:r>
+              <a:rPr lang="en-US" sz="1400" kern="0" dirty="0">
+                <a:solidFill>
+                  <a:srgbClr val="000000"/>
+                </a:solidFill>
+                <a:effectLst/>
+                <a:latin typeface="Arial" panose="020B0604020202020204" pitchFamily="34" charset="0"/>
+                <a:ea typeface="Times New Roman" panose="02020603050405020304" pitchFamily="18" charset="0"/>
+                <a:cs typeface="Arial" panose="020B0604020202020204" pitchFamily="34" charset="0"/>
+              </a:rPr>
+              <a:t> °C</a:t>
+            </a:r>
+            <a:r>
+              <a:rPr lang="en-US" sz="1400" dirty="0">
+                <a:latin typeface="Arial" panose="020B0604020202020204" pitchFamily="34" charset="0"/>
+                <a:ea typeface="Calibri" panose="020F0502020204030204" pitchFamily="34" charset="0"/>
+                <a:cs typeface="Arial" panose="020B0604020202020204" pitchFamily="34" charset="0"/>
+              </a:rPr>
+              <a:t>)</a:t>
+            </a:r>
+            <a:endParaRPr lang="en-US" sz="1400" dirty="0">
+              <a:latin typeface="Arial" panose="020B0604020202020204" pitchFamily="34" charset="0"/>
+              <a:cs typeface="Arial" panose="020B0604020202020204" pitchFamily="34" charset="0"/>
+            </a:endParaRPr>
+          </a:p>
+        </p:txBody>
+      </p:sp>
+      <p:sp>
+        <p:nvSpPr>
+          <p:cNvPr id="145" name="TextBox 144">
+            <a:extLst>
+              <a:ext uri="{FF2B5EF4-FFF2-40B4-BE49-F238E27FC236}">
+                <a16:creationId xmlns:a16="http://schemas.microsoft.com/office/drawing/2014/main" id="{913F4DA4-7F5C-31D2-0EB1-2259D4F11AB8}"/>
+              </a:ext>
+            </a:extLst>
+          </p:cNvPr>
+          <p:cNvSpPr txBox="1"/>
+          <p:nvPr/>
+        </p:nvSpPr>
+        <p:spPr>
+          <a:xfrm rot="16200000">
+            <a:off x="1500963" y="1807763"/>
+            <a:ext cx="2018501" cy="369332"/>
+          </a:xfrm>
+          <a:prstGeom prst="rect">
+            <a:avLst/>
+          </a:prstGeom>
+          <a:noFill/>
+        </p:spPr>
+        <p:txBody>
+          <a:bodyPr wrap="none" rtlCol="0">
+            <a:spAutoFit/>
+          </a:bodyPr>
+          <a:lstStyle/>
+          <a:p>
+            <a:pPr algn="ctr"/>
+            <a:r>
+              <a:rPr lang="en-US" dirty="0">
+                <a:latin typeface="Arial" panose="020B0604020202020204" pitchFamily="34" charset="0"/>
+                <a:cs typeface="Arial" panose="020B0604020202020204" pitchFamily="34" charset="0"/>
+              </a:rPr>
+              <a:t>Douglas-fir Forest</a:t>
+            </a:r>
+          </a:p>
+        </p:txBody>
+      </p:sp>
+      <p:sp>
+        <p:nvSpPr>
+          <p:cNvPr id="146" name="TextBox 145">
+            <a:extLst>
+              <a:ext uri="{FF2B5EF4-FFF2-40B4-BE49-F238E27FC236}">
+                <a16:creationId xmlns:a16="http://schemas.microsoft.com/office/drawing/2014/main" id="{D6990DFA-D17E-5047-004A-B6D06D57E9F7}"/>
+              </a:ext>
+            </a:extLst>
+          </p:cNvPr>
+          <p:cNvSpPr txBox="1"/>
+          <p:nvPr/>
+        </p:nvSpPr>
+        <p:spPr>
+          <a:xfrm rot="16200000">
+            <a:off x="1308361" y="5069900"/>
+            <a:ext cx="2416047" cy="369332"/>
+          </a:xfrm>
+          <a:prstGeom prst="rect">
+            <a:avLst/>
+          </a:prstGeom>
+          <a:noFill/>
+        </p:spPr>
+        <p:txBody>
+          <a:bodyPr wrap="none" rtlCol="0">
+            <a:spAutoFit/>
+          </a:bodyPr>
+          <a:lstStyle/>
+          <a:p>
+            <a:pPr algn="ctr"/>
+            <a:r>
+              <a:rPr lang="en-US" dirty="0">
+                <a:latin typeface="Arial" panose="020B0604020202020204" pitchFamily="34" charset="0"/>
+                <a:cs typeface="Arial" panose="020B0604020202020204" pitchFamily="34" charset="0"/>
+              </a:rPr>
+              <a:t>Sagebrush Shrubland</a:t>
+            </a:r>
+          </a:p>
+        </p:txBody>
+      </p:sp>
+      <p:pic>
+        <p:nvPicPr>
+          <p:cNvPr id="156" name="Picture 155">
+            <a:extLst>
+              <a:ext uri="{FF2B5EF4-FFF2-40B4-BE49-F238E27FC236}">
+                <a16:creationId xmlns:a16="http://schemas.microsoft.com/office/drawing/2014/main" id="{4511DD8D-0411-E3D5-5A9F-B3338749A135}"/>
+              </a:ext>
+            </a:extLst>
+          </p:cNvPr>
+          <p:cNvPicPr>
+            <a:picLocks noChangeAspect="1"/>
+          </p:cNvPicPr>
+          <p:nvPr/>
+        </p:nvPicPr>
+        <p:blipFill>
+          <a:blip r:embed="rId9"/>
+          <a:stretch>
+            <a:fillRect/>
+          </a:stretch>
+        </p:blipFill>
+        <p:spPr>
+          <a:xfrm>
+            <a:off x="397493" y="0"/>
+            <a:ext cx="1714500" cy="6858000"/>
+          </a:xfrm>
+          <a:prstGeom prst="rect">
+            <a:avLst/>
+          </a:prstGeom>
+        </p:spPr>
+      </p:pic>
+    </p:spTree>
+    <p:extLst>
+      <p:ext uri="{BB962C8B-B14F-4D97-AF65-F5344CB8AC3E}">
+        <p14:creationId xmlns:p14="http://schemas.microsoft.com/office/powerpoint/2010/main" val="3325231869"/>
       </p:ext>
     </p:extLst>
   </p:cSld>
